--- a/project-presentation v2.pptx
+++ b/project-presentation v2.pptx
@@ -5,7 +5,7 @@
     <p:sldMasterId id="2147483648" r:id="rId1"/>
   </p:sldMasterIdLst>
   <p:notesMasterIdLst>
-    <p:notesMasterId r:id="rId39"/>
+    <p:notesMasterId r:id="rId42"/>
   </p:notesMasterIdLst>
   <p:sldIdLst>
     <p:sldId id="256" r:id="rId2"/>
@@ -36,15 +36,18 @@
     <p:sldId id="306" r:id="rId27"/>
     <p:sldId id="323" r:id="rId28"/>
     <p:sldId id="335" r:id="rId29"/>
-    <p:sldId id="339" r:id="rId30"/>
-    <p:sldId id="334" r:id="rId31"/>
-    <p:sldId id="304" r:id="rId32"/>
-    <p:sldId id="330" r:id="rId33"/>
-    <p:sldId id="331" r:id="rId34"/>
-    <p:sldId id="332" r:id="rId35"/>
-    <p:sldId id="305" r:id="rId36"/>
-    <p:sldId id="329" r:id="rId37"/>
-    <p:sldId id="333" r:id="rId38"/>
+    <p:sldId id="336" r:id="rId30"/>
+    <p:sldId id="337" r:id="rId31"/>
+    <p:sldId id="338" r:id="rId32"/>
+    <p:sldId id="339" r:id="rId33"/>
+    <p:sldId id="334" r:id="rId34"/>
+    <p:sldId id="304" r:id="rId35"/>
+    <p:sldId id="330" r:id="rId36"/>
+    <p:sldId id="331" r:id="rId37"/>
+    <p:sldId id="332" r:id="rId38"/>
+    <p:sldId id="305" r:id="rId39"/>
+    <p:sldId id="329" r:id="rId40"/>
+    <p:sldId id="333" r:id="rId41"/>
   </p:sldIdLst>
   <p:sldSz cx="12192000" cy="6858000"/>
   <p:notesSz cx="6858000" cy="9144000"/>
@@ -1185,7 +1188,7 @@
           <a:p>
             <a:fld id="{6A2EE0E5-999F-FB48-B8EB-A3E963776233}" type="slidenum">
               <a:rPr lang="en-US" smtClean="0"/>
-              <a:t>30</a:t>
+              <a:t>33</a:t>
             </a:fld>
             <a:endParaRPr lang="en-US"/>
           </a:p>
@@ -1272,7 +1275,7 @@
           <a:p>
             <a:fld id="{6A2EE0E5-999F-FB48-B8EB-A3E963776233}" type="slidenum">
               <a:rPr lang="en-US" smtClean="0"/>
-              <a:t>37</a:t>
+              <a:t>40</a:t>
             </a:fld>
             <a:endParaRPr lang="en-US"/>
           </a:p>
@@ -15460,7 +15463,7 @@
 </file>
 
 <file path=ppt/slides/slide29.xml><?xml version="1.0" encoding="utf-8"?>
-<p:sld xmlns:a="http://schemas.openxmlformats.org/drawingml/2006/main" xmlns:r="http://schemas.openxmlformats.org/officeDocument/2006/relationships" xmlns:p="http://schemas.openxmlformats.org/presentationml/2006/main">
+<p:sld xmlns:a="http://schemas.openxmlformats.org/drawingml/2006/main" xmlns:r="http://schemas.openxmlformats.org/officeDocument/2006/relationships" xmlns:p="http://schemas.openxmlformats.org/presentationml/2006/main" show="0">
   <p:cSld>
     <p:spTree>
       <p:nvGrpSpPr>
@@ -15582,6 +15585,878 @@
               <a:rPr lang="en-US" smtClean="0"/>
               <a:pPr/>
               <a:t>29</a:t>
+            </a:fld>
+            <a:endParaRPr lang="en-US" dirty="0"/>
+          </a:p>
+        </p:txBody>
+      </p:sp>
+      <p:sp>
+        <p:nvSpPr>
+          <p:cNvPr id="4" name="Google Shape;463;p54">
+            <a:extLst>
+              <a:ext uri="{FF2B5EF4-FFF2-40B4-BE49-F238E27FC236}">
+                <a16:creationId xmlns:a16="http://schemas.microsoft.com/office/drawing/2014/main" id="{6BC38B2C-F097-FA02-9BE3-131A9E47D9A6}"/>
+              </a:ext>
+            </a:extLst>
+          </p:cNvPr>
+          <p:cNvSpPr txBox="1"/>
+          <p:nvPr/>
+        </p:nvSpPr>
+        <p:spPr>
+          <a:xfrm>
+            <a:off x="801133" y="992801"/>
+            <a:ext cx="10662800" cy="553957"/>
+          </a:xfrm>
+          <a:prstGeom prst="rect">
+            <a:avLst/>
+          </a:prstGeom>
+          <a:noFill/>
+          <a:ln>
+            <a:noFill/>
+          </a:ln>
+        </p:spPr>
+        <p:txBody>
+          <a:bodyPr spcFirstLastPara="1" wrap="square" lIns="121900" tIns="121900" rIns="121900" bIns="121900" anchor="t" anchorCtr="0">
+            <a:spAutoFit/>
+          </a:bodyPr>
+          <a:lstStyle/>
+          <a:p>
+            <a:r>
+              <a:rPr lang="en" sz="2000" b="1" dirty="0">
+                <a:solidFill>
+                  <a:schemeClr val="accent1"/>
+                </a:solidFill>
+                <a:latin typeface="SF Compact Rounded" pitchFamily="2" charset="77"/>
+                <a:ea typeface="Nunito ExtraBold"/>
+                <a:cs typeface="Nunito ExtraBold"/>
+                <a:sym typeface="Nunito ExtraBold"/>
+              </a:rPr>
+              <a:t>Support Vector Machine (SVM) Model                         K-Nearest Neighbor (KNN) Model</a:t>
+            </a:r>
+            <a:endParaRPr sz="2000" b="1" dirty="0">
+              <a:solidFill>
+                <a:schemeClr val="accent1"/>
+              </a:solidFill>
+              <a:latin typeface="SF Compact Rounded" pitchFamily="2" charset="77"/>
+              <a:ea typeface="Nunito ExtraBold"/>
+              <a:cs typeface="Nunito ExtraBold"/>
+              <a:sym typeface="Nunito ExtraBold"/>
+            </a:endParaRPr>
+          </a:p>
+        </p:txBody>
+      </p:sp>
+      <p:pic>
+        <p:nvPicPr>
+          <p:cNvPr id="6" name="Google Shape;464;p54">
+            <a:extLst>
+              <a:ext uri="{FF2B5EF4-FFF2-40B4-BE49-F238E27FC236}">
+                <a16:creationId xmlns:a16="http://schemas.microsoft.com/office/drawing/2014/main" id="{27CD8503-F7DE-5071-F7A8-F320834A6322}"/>
+              </a:ext>
+            </a:extLst>
+          </p:cNvPr>
+          <p:cNvPicPr preferRelativeResize="0"/>
+          <p:nvPr/>
+        </p:nvPicPr>
+        <p:blipFill>
+          <a:blip r:embed="rId2">
+            <a:alphaModFix/>
+          </a:blip>
+          <a:stretch>
+            <a:fillRect/>
+          </a:stretch>
+        </p:blipFill>
+        <p:spPr>
+          <a:xfrm>
+            <a:off x="801133" y="1532951"/>
+            <a:ext cx="4443387" cy="4423549"/>
+          </a:xfrm>
+          <a:prstGeom prst="rect">
+            <a:avLst/>
+          </a:prstGeom>
+          <a:noFill/>
+          <a:ln>
+            <a:noFill/>
+          </a:ln>
+        </p:spPr>
+      </p:pic>
+      <p:pic>
+        <p:nvPicPr>
+          <p:cNvPr id="7" name="Google Shape;465;p54">
+            <a:extLst>
+              <a:ext uri="{FF2B5EF4-FFF2-40B4-BE49-F238E27FC236}">
+                <a16:creationId xmlns:a16="http://schemas.microsoft.com/office/drawing/2014/main" id="{48C2AA2D-8063-7608-6702-55D69DAC49E4}"/>
+              </a:ext>
+            </a:extLst>
+          </p:cNvPr>
+          <p:cNvPicPr preferRelativeResize="0"/>
+          <p:nvPr/>
+        </p:nvPicPr>
+        <p:blipFill>
+          <a:blip r:embed="rId3">
+            <a:alphaModFix/>
+          </a:blip>
+          <a:stretch>
+            <a:fillRect/>
+          </a:stretch>
+        </p:blipFill>
+        <p:spPr>
+          <a:xfrm>
+            <a:off x="6327876" y="1536192"/>
+            <a:ext cx="4521851" cy="4423549"/>
+          </a:xfrm>
+          <a:prstGeom prst="rect">
+            <a:avLst/>
+          </a:prstGeom>
+          <a:noFill/>
+          <a:ln>
+            <a:noFill/>
+          </a:ln>
+        </p:spPr>
+      </p:pic>
+    </p:spTree>
+    <p:extLst>
+      <p:ext uri="{BB962C8B-B14F-4D97-AF65-F5344CB8AC3E}">
+        <p14:creationId xmlns:p14="http://schemas.microsoft.com/office/powerpoint/2010/main" val="1994648110"/>
+      </p:ext>
+    </p:extLst>
+  </p:cSld>
+  <p:clrMapOvr>
+    <a:masterClrMapping/>
+  </p:clrMapOvr>
+</p:sld>
+</file>
+
+<file path=ppt/slides/slide3.xml><?xml version="1.0" encoding="utf-8"?>
+<p:sld xmlns:a="http://schemas.openxmlformats.org/drawingml/2006/main" xmlns:r="http://schemas.openxmlformats.org/officeDocument/2006/relationships" xmlns:p="http://schemas.openxmlformats.org/presentationml/2006/main">
+  <p:cSld>
+    <p:spTree>
+      <p:nvGrpSpPr>
+        <p:cNvPr id="1" name=""/>
+        <p:cNvGrpSpPr/>
+        <p:nvPr/>
+      </p:nvGrpSpPr>
+      <p:grpSpPr>
+        <a:xfrm>
+          <a:off x="0" y="0"/>
+          <a:ext cx="0" cy="0"/>
+          <a:chOff x="0" y="0"/>
+          <a:chExt cx="0" cy="0"/>
+        </a:xfrm>
+      </p:grpSpPr>
+      <p:sp>
+        <p:nvSpPr>
+          <p:cNvPr id="2" name="Title 1">
+            <a:extLst>
+              <a:ext uri="{FF2B5EF4-FFF2-40B4-BE49-F238E27FC236}">
+                <a16:creationId xmlns:a16="http://schemas.microsoft.com/office/drawing/2014/main" id="{91556312-D863-0258-95A6-3C3D9EFE4F0C}"/>
+              </a:ext>
+            </a:extLst>
+          </p:cNvPr>
+          <p:cNvSpPr>
+            <a:spLocks noGrp="1"/>
+          </p:cNvSpPr>
+          <p:nvPr>
+            <p:ph type="ctrTitle"/>
+          </p:nvPr>
+        </p:nvSpPr>
+        <p:spPr>
+          <a:xfrm>
+            <a:off x="578426" y="2356506"/>
+            <a:ext cx="11035147" cy="2144988"/>
+          </a:xfrm>
+        </p:spPr>
+        <p:txBody>
+          <a:bodyPr anchor="ctr">
+            <a:normAutofit/>
+          </a:bodyPr>
+          <a:lstStyle/>
+          <a:p>
+            <a:r>
+              <a:rPr lang="en-US" sz="4400" b="1" dirty="0">
+                <a:solidFill>
+                  <a:schemeClr val="tx2"/>
+                </a:solidFill>
+                <a:latin typeface="SF Compact Rounded Heavy" pitchFamily="2" charset="77"/>
+                <a:ea typeface="SF Pro Display" pitchFamily="2" charset="0"/>
+                <a:cs typeface="Nirmala Text" panose="020B0604020202020204" pitchFamily="34" charset="0"/>
+              </a:rPr>
+              <a:t>Introduction</a:t>
+            </a:r>
+            <a:endParaRPr lang="en-US" sz="2400" b="1" dirty="0">
+              <a:solidFill>
+                <a:schemeClr val="tx2"/>
+              </a:solidFill>
+              <a:latin typeface="SF Compact Rounded Heavy" pitchFamily="2" charset="77"/>
+              <a:ea typeface="SF Pro Display" pitchFamily="2" charset="0"/>
+              <a:cs typeface="Nirmala Text" panose="020B0604020202020204" pitchFamily="34" charset="0"/>
+            </a:endParaRPr>
+          </a:p>
+        </p:txBody>
+      </p:sp>
+    </p:spTree>
+    <p:extLst>
+      <p:ext uri="{BB962C8B-B14F-4D97-AF65-F5344CB8AC3E}">
+        <p14:creationId xmlns:p14="http://schemas.microsoft.com/office/powerpoint/2010/main" val="2052034157"/>
+      </p:ext>
+    </p:extLst>
+  </p:cSld>
+  <p:clrMapOvr>
+    <a:masterClrMapping/>
+  </p:clrMapOvr>
+</p:sld>
+</file>
+
+<file path=ppt/slides/slide30.xml><?xml version="1.0" encoding="utf-8"?>
+<p:sld xmlns:a="http://schemas.openxmlformats.org/drawingml/2006/main" xmlns:r="http://schemas.openxmlformats.org/officeDocument/2006/relationships" xmlns:p="http://schemas.openxmlformats.org/presentationml/2006/main" show="0">
+  <p:cSld>
+    <p:spTree>
+      <p:nvGrpSpPr>
+        <p:cNvPr id="1" name=""/>
+        <p:cNvGrpSpPr/>
+        <p:nvPr/>
+      </p:nvGrpSpPr>
+      <p:grpSpPr>
+        <a:xfrm>
+          <a:off x="0" y="0"/>
+          <a:ext cx="0" cy="0"/>
+          <a:chOff x="0" y="0"/>
+          <a:chExt cx="0" cy="0"/>
+        </a:xfrm>
+      </p:grpSpPr>
+      <p:sp>
+        <p:nvSpPr>
+          <p:cNvPr id="2" name="Text Placeholder 1">
+            <a:extLst>
+              <a:ext uri="{FF2B5EF4-FFF2-40B4-BE49-F238E27FC236}">
+                <a16:creationId xmlns:a16="http://schemas.microsoft.com/office/drawing/2014/main" id="{DEDB9BE8-C609-A873-CBBC-0CA104AA9588}"/>
+              </a:ext>
+            </a:extLst>
+          </p:cNvPr>
+          <p:cNvSpPr>
+            <a:spLocks noGrp="1"/>
+          </p:cNvSpPr>
+          <p:nvPr>
+            <p:ph type="body" sz="quarter" idx="13"/>
+          </p:nvPr>
+        </p:nvSpPr>
+        <p:spPr/>
+        <p:txBody>
+          <a:bodyPr/>
+          <a:lstStyle/>
+          <a:p>
+            <a:endParaRPr lang="en-US"/>
+          </a:p>
+        </p:txBody>
+      </p:sp>
+      <p:sp>
+        <p:nvSpPr>
+          <p:cNvPr id="3" name="Title 2">
+            <a:extLst>
+              <a:ext uri="{FF2B5EF4-FFF2-40B4-BE49-F238E27FC236}">
+                <a16:creationId xmlns:a16="http://schemas.microsoft.com/office/drawing/2014/main" id="{18AA4D6E-70D3-8C8F-AF9E-00FC624637F9}"/>
+              </a:ext>
+            </a:extLst>
+          </p:cNvPr>
+          <p:cNvSpPr>
+            <a:spLocks noGrp="1"/>
+          </p:cNvSpPr>
+          <p:nvPr>
+            <p:ph type="title"/>
+          </p:nvPr>
+        </p:nvSpPr>
+        <p:spPr>
+          <a:xfrm>
+            <a:off x="841248" y="365760"/>
+            <a:ext cx="11161644" cy="767936"/>
+          </a:xfrm>
+        </p:spPr>
+        <p:txBody>
+          <a:bodyPr>
+            <a:normAutofit/>
+          </a:bodyPr>
+          <a:lstStyle/>
+          <a:p>
+            <a:r>
+              <a:rPr lang="en-US" dirty="0"/>
+              <a:t>Results</a:t>
+            </a:r>
+            <a:r>
+              <a:rPr lang="en-US" b="0" dirty="0"/>
+              <a:t> – Model Evaluation</a:t>
+            </a:r>
+          </a:p>
+        </p:txBody>
+      </p:sp>
+      <p:sp>
+        <p:nvSpPr>
+          <p:cNvPr id="5" name="Slide Number Placeholder 5">
+            <a:extLst>
+              <a:ext uri="{FF2B5EF4-FFF2-40B4-BE49-F238E27FC236}">
+                <a16:creationId xmlns:a16="http://schemas.microsoft.com/office/drawing/2014/main" id="{8E0510B8-2E78-20E7-4DBB-06CABF68D68D}"/>
+              </a:ext>
+            </a:extLst>
+          </p:cNvPr>
+          <p:cNvSpPr>
+            <a:spLocks noGrp="1"/>
+          </p:cNvSpPr>
+          <p:nvPr>
+            <p:ph type="sldNum" sz="quarter" idx="12"/>
+          </p:nvPr>
+        </p:nvSpPr>
+        <p:spPr>
+          <a:xfrm>
+            <a:off x="8610600" y="6356350"/>
+            <a:ext cx="3028122" cy="365125"/>
+          </a:xfrm>
+          <a:prstGeom prst="rect">
+            <a:avLst/>
+          </a:prstGeom>
+        </p:spPr>
+        <p:txBody>
+          <a:bodyPr anchor="ctr"/>
+          <a:lstStyle>
+            <a:lvl1pPr algn="r">
+              <a:defRPr sz="1000">
+                <a:solidFill>
+                  <a:schemeClr val="tx2"/>
+                </a:solidFill>
+                <a:latin typeface="SF Compact Rounded" pitchFamily="2" charset="77"/>
+              </a:defRPr>
+            </a:lvl1pPr>
+          </a:lstStyle>
+          <a:p>
+            <a:fld id="{1E7E87EC-D468-6B42-A141-7B085F32EA20}" type="slidenum">
+              <a:rPr lang="en-US" smtClean="0"/>
+              <a:pPr/>
+              <a:t>30</a:t>
+            </a:fld>
+            <a:endParaRPr lang="en-US" dirty="0"/>
+          </a:p>
+        </p:txBody>
+      </p:sp>
+      <p:sp>
+        <p:nvSpPr>
+          <p:cNvPr id="4" name="Google Shape;473;p55">
+            <a:extLst>
+              <a:ext uri="{FF2B5EF4-FFF2-40B4-BE49-F238E27FC236}">
+                <a16:creationId xmlns:a16="http://schemas.microsoft.com/office/drawing/2014/main" id="{C0F4CBAE-7A57-75A4-43B2-59B6FEC1D7A6}"/>
+              </a:ext>
+            </a:extLst>
+          </p:cNvPr>
+          <p:cNvSpPr txBox="1"/>
+          <p:nvPr/>
+        </p:nvSpPr>
+        <p:spPr>
+          <a:xfrm>
+            <a:off x="841248" y="992801"/>
+            <a:ext cx="10662800" cy="553957"/>
+          </a:xfrm>
+          <a:prstGeom prst="rect">
+            <a:avLst/>
+          </a:prstGeom>
+          <a:noFill/>
+          <a:ln>
+            <a:noFill/>
+          </a:ln>
+        </p:spPr>
+        <p:txBody>
+          <a:bodyPr spcFirstLastPara="1" wrap="square" lIns="121900" tIns="121900" rIns="121900" bIns="121900" anchor="t" anchorCtr="0">
+            <a:spAutoFit/>
+          </a:bodyPr>
+          <a:lstStyle/>
+          <a:p>
+            <a:r>
+              <a:rPr lang="en" sz="2000" b="1" dirty="0">
+                <a:solidFill>
+                  <a:schemeClr val="accent1"/>
+                </a:solidFill>
+                <a:latin typeface="SF Compact Rounded" pitchFamily="2" charset="77"/>
+                <a:ea typeface="Nunito ExtraBold"/>
+                <a:cs typeface="Nunito ExtraBold"/>
+                <a:sym typeface="Nunito ExtraBold"/>
+              </a:rPr>
+              <a:t>Gaussian Naive Bayes (GNB) Model                             Decision Tree (DT) Model</a:t>
+            </a:r>
+            <a:endParaRPr sz="2000" b="1" dirty="0">
+              <a:solidFill>
+                <a:schemeClr val="accent1"/>
+              </a:solidFill>
+              <a:latin typeface="SF Compact Rounded" pitchFamily="2" charset="77"/>
+              <a:ea typeface="Nunito ExtraBold"/>
+              <a:cs typeface="Nunito ExtraBold"/>
+              <a:sym typeface="Nunito ExtraBold"/>
+            </a:endParaRPr>
+          </a:p>
+        </p:txBody>
+      </p:sp>
+      <p:pic>
+        <p:nvPicPr>
+          <p:cNvPr id="6" name="Google Shape;474;p55">
+            <a:extLst>
+              <a:ext uri="{FF2B5EF4-FFF2-40B4-BE49-F238E27FC236}">
+                <a16:creationId xmlns:a16="http://schemas.microsoft.com/office/drawing/2014/main" id="{5D8A3E0D-3FDB-23A1-311C-D21DF607D9E2}"/>
+              </a:ext>
+            </a:extLst>
+          </p:cNvPr>
+          <p:cNvPicPr preferRelativeResize="0"/>
+          <p:nvPr/>
+        </p:nvPicPr>
+        <p:blipFill>
+          <a:blip r:embed="rId2">
+            <a:alphaModFix/>
+          </a:blip>
+          <a:stretch>
+            <a:fillRect/>
+          </a:stretch>
+        </p:blipFill>
+        <p:spPr>
+          <a:xfrm>
+            <a:off x="841248" y="1536192"/>
+            <a:ext cx="4543105" cy="4423549"/>
+          </a:xfrm>
+          <a:prstGeom prst="rect">
+            <a:avLst/>
+          </a:prstGeom>
+          <a:noFill/>
+          <a:ln>
+            <a:noFill/>
+          </a:ln>
+        </p:spPr>
+      </p:pic>
+      <p:pic>
+        <p:nvPicPr>
+          <p:cNvPr id="7" name="Google Shape;475;p55">
+            <a:extLst>
+              <a:ext uri="{FF2B5EF4-FFF2-40B4-BE49-F238E27FC236}">
+                <a16:creationId xmlns:a16="http://schemas.microsoft.com/office/drawing/2014/main" id="{A57D5726-7550-4A92-CB85-86CF3140D07A}"/>
+              </a:ext>
+            </a:extLst>
+          </p:cNvPr>
+          <p:cNvPicPr preferRelativeResize="0"/>
+          <p:nvPr/>
+        </p:nvPicPr>
+        <p:blipFill>
+          <a:blip r:embed="rId3">
+            <a:alphaModFix/>
+          </a:blip>
+          <a:stretch>
+            <a:fillRect/>
+          </a:stretch>
+        </p:blipFill>
+        <p:spPr>
+          <a:xfrm>
+            <a:off x="6327648" y="1536192"/>
+            <a:ext cx="4443476" cy="4423549"/>
+          </a:xfrm>
+          <a:prstGeom prst="rect">
+            <a:avLst/>
+          </a:prstGeom>
+          <a:noFill/>
+          <a:ln>
+            <a:noFill/>
+          </a:ln>
+        </p:spPr>
+      </p:pic>
+    </p:spTree>
+    <p:extLst>
+      <p:ext uri="{BB962C8B-B14F-4D97-AF65-F5344CB8AC3E}">
+        <p14:creationId xmlns:p14="http://schemas.microsoft.com/office/powerpoint/2010/main" val="591831931"/>
+      </p:ext>
+    </p:extLst>
+  </p:cSld>
+  <p:clrMapOvr>
+    <a:masterClrMapping/>
+  </p:clrMapOvr>
+</p:sld>
+</file>
+
+<file path=ppt/slides/slide31.xml><?xml version="1.0" encoding="utf-8"?>
+<p:sld xmlns:a="http://schemas.openxmlformats.org/drawingml/2006/main" xmlns:r="http://schemas.openxmlformats.org/officeDocument/2006/relationships" xmlns:p="http://schemas.openxmlformats.org/presentationml/2006/main" show="0">
+  <p:cSld>
+    <p:spTree>
+      <p:nvGrpSpPr>
+        <p:cNvPr id="1" name=""/>
+        <p:cNvGrpSpPr/>
+        <p:nvPr/>
+      </p:nvGrpSpPr>
+      <p:grpSpPr>
+        <a:xfrm>
+          <a:off x="0" y="0"/>
+          <a:ext cx="0" cy="0"/>
+          <a:chOff x="0" y="0"/>
+          <a:chExt cx="0" cy="0"/>
+        </a:xfrm>
+      </p:grpSpPr>
+      <p:sp>
+        <p:nvSpPr>
+          <p:cNvPr id="2" name="Text Placeholder 1">
+            <a:extLst>
+              <a:ext uri="{FF2B5EF4-FFF2-40B4-BE49-F238E27FC236}">
+                <a16:creationId xmlns:a16="http://schemas.microsoft.com/office/drawing/2014/main" id="{DEDB9BE8-C609-A873-CBBC-0CA104AA9588}"/>
+              </a:ext>
+            </a:extLst>
+          </p:cNvPr>
+          <p:cNvSpPr>
+            <a:spLocks noGrp="1"/>
+          </p:cNvSpPr>
+          <p:nvPr>
+            <p:ph type="body" sz="quarter" idx="13"/>
+          </p:nvPr>
+        </p:nvSpPr>
+        <p:spPr/>
+        <p:txBody>
+          <a:bodyPr/>
+          <a:lstStyle/>
+          <a:p>
+            <a:endParaRPr lang="en-US"/>
+          </a:p>
+        </p:txBody>
+      </p:sp>
+      <p:sp>
+        <p:nvSpPr>
+          <p:cNvPr id="3" name="Title 2">
+            <a:extLst>
+              <a:ext uri="{FF2B5EF4-FFF2-40B4-BE49-F238E27FC236}">
+                <a16:creationId xmlns:a16="http://schemas.microsoft.com/office/drawing/2014/main" id="{18AA4D6E-70D3-8C8F-AF9E-00FC624637F9}"/>
+              </a:ext>
+            </a:extLst>
+          </p:cNvPr>
+          <p:cNvSpPr>
+            <a:spLocks noGrp="1"/>
+          </p:cNvSpPr>
+          <p:nvPr>
+            <p:ph type="title"/>
+          </p:nvPr>
+        </p:nvSpPr>
+        <p:spPr>
+          <a:xfrm>
+            <a:off x="841248" y="365760"/>
+            <a:ext cx="11161644" cy="767936"/>
+          </a:xfrm>
+        </p:spPr>
+        <p:txBody>
+          <a:bodyPr>
+            <a:normAutofit/>
+          </a:bodyPr>
+          <a:lstStyle/>
+          <a:p>
+            <a:r>
+              <a:rPr lang="en-US" dirty="0"/>
+              <a:t>Results</a:t>
+            </a:r>
+            <a:r>
+              <a:rPr lang="en-US" b="0" dirty="0"/>
+              <a:t> – Model Evaluation</a:t>
+            </a:r>
+          </a:p>
+        </p:txBody>
+      </p:sp>
+      <p:sp>
+        <p:nvSpPr>
+          <p:cNvPr id="5" name="Slide Number Placeholder 5">
+            <a:extLst>
+              <a:ext uri="{FF2B5EF4-FFF2-40B4-BE49-F238E27FC236}">
+                <a16:creationId xmlns:a16="http://schemas.microsoft.com/office/drawing/2014/main" id="{8E0510B8-2E78-20E7-4DBB-06CABF68D68D}"/>
+              </a:ext>
+            </a:extLst>
+          </p:cNvPr>
+          <p:cNvSpPr>
+            <a:spLocks noGrp="1"/>
+          </p:cNvSpPr>
+          <p:nvPr>
+            <p:ph type="sldNum" sz="quarter" idx="12"/>
+          </p:nvPr>
+        </p:nvSpPr>
+        <p:spPr>
+          <a:xfrm>
+            <a:off x="8610600" y="6356350"/>
+            <a:ext cx="3028122" cy="365125"/>
+          </a:xfrm>
+          <a:prstGeom prst="rect">
+            <a:avLst/>
+          </a:prstGeom>
+        </p:spPr>
+        <p:txBody>
+          <a:bodyPr anchor="ctr"/>
+          <a:lstStyle>
+            <a:lvl1pPr algn="r">
+              <a:defRPr sz="1000">
+                <a:solidFill>
+                  <a:schemeClr val="tx2"/>
+                </a:solidFill>
+                <a:latin typeface="SF Compact Rounded" pitchFamily="2" charset="77"/>
+              </a:defRPr>
+            </a:lvl1pPr>
+          </a:lstStyle>
+          <a:p>
+            <a:fld id="{1E7E87EC-D468-6B42-A141-7B085F32EA20}" type="slidenum">
+              <a:rPr lang="en-US" smtClean="0"/>
+              <a:pPr/>
+              <a:t>31</a:t>
+            </a:fld>
+            <a:endParaRPr lang="en-US" dirty="0"/>
+          </a:p>
+        </p:txBody>
+      </p:sp>
+      <p:sp>
+        <p:nvSpPr>
+          <p:cNvPr id="4" name="Google Shape;483;p56">
+            <a:extLst>
+              <a:ext uri="{FF2B5EF4-FFF2-40B4-BE49-F238E27FC236}">
+                <a16:creationId xmlns:a16="http://schemas.microsoft.com/office/drawing/2014/main" id="{0EB4C923-50B2-E640-CDF1-073ADB2073F1}"/>
+              </a:ext>
+            </a:extLst>
+          </p:cNvPr>
+          <p:cNvSpPr txBox="1"/>
+          <p:nvPr/>
+        </p:nvSpPr>
+        <p:spPr>
+          <a:xfrm>
+            <a:off x="841248" y="992801"/>
+            <a:ext cx="10662800" cy="553957"/>
+          </a:xfrm>
+          <a:prstGeom prst="rect">
+            <a:avLst/>
+          </a:prstGeom>
+          <a:noFill/>
+          <a:ln>
+            <a:noFill/>
+          </a:ln>
+        </p:spPr>
+        <p:txBody>
+          <a:bodyPr spcFirstLastPara="1" wrap="square" lIns="121900" tIns="121900" rIns="121900" bIns="121900" anchor="t" anchorCtr="0">
+            <a:spAutoFit/>
+          </a:bodyPr>
+          <a:lstStyle/>
+          <a:p>
+            <a:r>
+              <a:rPr lang="en" sz="2000" b="1" dirty="0">
+                <a:solidFill>
+                  <a:schemeClr val="accent1"/>
+                </a:solidFill>
+                <a:latin typeface="SF Compact Rounded" pitchFamily="2" charset="77"/>
+                <a:ea typeface="Nunito ExtraBold"/>
+                <a:cs typeface="Nunito ExtraBold"/>
+                <a:sym typeface="Nunito ExtraBold"/>
+              </a:rPr>
+              <a:t>Random Forest (RF) Model                                                 Multilayer Perceptron (MLP) Model</a:t>
+            </a:r>
+            <a:endParaRPr sz="2000" b="1" dirty="0">
+              <a:solidFill>
+                <a:schemeClr val="accent1"/>
+              </a:solidFill>
+              <a:latin typeface="SF Compact Rounded" pitchFamily="2" charset="77"/>
+              <a:ea typeface="Nunito ExtraBold"/>
+              <a:cs typeface="Nunito ExtraBold"/>
+              <a:sym typeface="Nunito ExtraBold"/>
+            </a:endParaRPr>
+          </a:p>
+        </p:txBody>
+      </p:sp>
+      <p:pic>
+        <p:nvPicPr>
+          <p:cNvPr id="6" name="Google Shape;484;p56">
+            <a:extLst>
+              <a:ext uri="{FF2B5EF4-FFF2-40B4-BE49-F238E27FC236}">
+                <a16:creationId xmlns:a16="http://schemas.microsoft.com/office/drawing/2014/main" id="{D7B74D61-02DF-2B68-8B7F-FF8A28D525A6}"/>
+              </a:ext>
+            </a:extLst>
+          </p:cNvPr>
+          <p:cNvPicPr preferRelativeResize="0"/>
+          <p:nvPr/>
+        </p:nvPicPr>
+        <p:blipFill>
+          <a:blip r:embed="rId2">
+            <a:alphaModFix/>
+          </a:blip>
+          <a:stretch>
+            <a:fillRect/>
+          </a:stretch>
+        </p:blipFill>
+        <p:spPr>
+          <a:xfrm>
+            <a:off x="841248" y="1536193"/>
+            <a:ext cx="4542039" cy="4423551"/>
+          </a:xfrm>
+          <a:prstGeom prst="rect">
+            <a:avLst/>
+          </a:prstGeom>
+          <a:noFill/>
+          <a:ln>
+            <a:noFill/>
+          </a:ln>
+        </p:spPr>
+      </p:pic>
+      <p:pic>
+        <p:nvPicPr>
+          <p:cNvPr id="7" name="Google Shape;485;p56">
+            <a:extLst>
+              <a:ext uri="{FF2B5EF4-FFF2-40B4-BE49-F238E27FC236}">
+                <a16:creationId xmlns:a16="http://schemas.microsoft.com/office/drawing/2014/main" id="{1B9C3BAA-2C8E-D126-F73E-07301F9B68DA}"/>
+              </a:ext>
+            </a:extLst>
+          </p:cNvPr>
+          <p:cNvPicPr preferRelativeResize="0"/>
+          <p:nvPr/>
+        </p:nvPicPr>
+        <p:blipFill>
+          <a:blip r:embed="rId3">
+            <a:alphaModFix/>
+          </a:blip>
+          <a:stretch>
+            <a:fillRect/>
+          </a:stretch>
+        </p:blipFill>
+        <p:spPr>
+          <a:xfrm>
+            <a:off x="6327648" y="1536192"/>
+            <a:ext cx="4501844" cy="4423551"/>
+          </a:xfrm>
+          <a:prstGeom prst="rect">
+            <a:avLst/>
+          </a:prstGeom>
+          <a:noFill/>
+          <a:ln>
+            <a:noFill/>
+          </a:ln>
+        </p:spPr>
+      </p:pic>
+    </p:spTree>
+    <p:extLst>
+      <p:ext uri="{BB962C8B-B14F-4D97-AF65-F5344CB8AC3E}">
+        <p14:creationId xmlns:p14="http://schemas.microsoft.com/office/powerpoint/2010/main" val="1811038869"/>
+      </p:ext>
+    </p:extLst>
+  </p:cSld>
+  <p:clrMapOvr>
+    <a:masterClrMapping/>
+  </p:clrMapOvr>
+</p:sld>
+</file>
+
+<file path=ppt/slides/slide32.xml><?xml version="1.0" encoding="utf-8"?>
+<p:sld xmlns:a="http://schemas.openxmlformats.org/drawingml/2006/main" xmlns:r="http://schemas.openxmlformats.org/officeDocument/2006/relationships" xmlns:p="http://schemas.openxmlformats.org/presentationml/2006/main">
+  <p:cSld>
+    <p:spTree>
+      <p:nvGrpSpPr>
+        <p:cNvPr id="1" name=""/>
+        <p:cNvGrpSpPr/>
+        <p:nvPr/>
+      </p:nvGrpSpPr>
+      <p:grpSpPr>
+        <a:xfrm>
+          <a:off x="0" y="0"/>
+          <a:ext cx="0" cy="0"/>
+          <a:chOff x="0" y="0"/>
+          <a:chExt cx="0" cy="0"/>
+        </a:xfrm>
+      </p:grpSpPr>
+      <p:sp>
+        <p:nvSpPr>
+          <p:cNvPr id="2" name="Text Placeholder 1">
+            <a:extLst>
+              <a:ext uri="{FF2B5EF4-FFF2-40B4-BE49-F238E27FC236}">
+                <a16:creationId xmlns:a16="http://schemas.microsoft.com/office/drawing/2014/main" id="{DEDB9BE8-C609-A873-CBBC-0CA104AA9588}"/>
+              </a:ext>
+            </a:extLst>
+          </p:cNvPr>
+          <p:cNvSpPr>
+            <a:spLocks noGrp="1"/>
+          </p:cNvSpPr>
+          <p:nvPr>
+            <p:ph type="body" sz="quarter" idx="13"/>
+          </p:nvPr>
+        </p:nvSpPr>
+        <p:spPr/>
+        <p:txBody>
+          <a:bodyPr/>
+          <a:lstStyle/>
+          <a:p>
+            <a:endParaRPr lang="en-US"/>
+          </a:p>
+        </p:txBody>
+      </p:sp>
+      <p:sp>
+        <p:nvSpPr>
+          <p:cNvPr id="3" name="Title 2">
+            <a:extLst>
+              <a:ext uri="{FF2B5EF4-FFF2-40B4-BE49-F238E27FC236}">
+                <a16:creationId xmlns:a16="http://schemas.microsoft.com/office/drawing/2014/main" id="{18AA4D6E-70D3-8C8F-AF9E-00FC624637F9}"/>
+              </a:ext>
+            </a:extLst>
+          </p:cNvPr>
+          <p:cNvSpPr>
+            <a:spLocks noGrp="1"/>
+          </p:cNvSpPr>
+          <p:nvPr>
+            <p:ph type="title"/>
+          </p:nvPr>
+        </p:nvSpPr>
+        <p:spPr>
+          <a:xfrm>
+            <a:off x="841248" y="365760"/>
+            <a:ext cx="11161644" cy="767936"/>
+          </a:xfrm>
+        </p:spPr>
+        <p:txBody>
+          <a:bodyPr>
+            <a:normAutofit/>
+          </a:bodyPr>
+          <a:lstStyle/>
+          <a:p>
+            <a:r>
+              <a:rPr lang="en-US" dirty="0"/>
+              <a:t>Results</a:t>
+            </a:r>
+            <a:r>
+              <a:rPr lang="en-US" b="0" dirty="0"/>
+              <a:t> – Model Evaluation</a:t>
+            </a:r>
+          </a:p>
+        </p:txBody>
+      </p:sp>
+      <p:sp>
+        <p:nvSpPr>
+          <p:cNvPr id="5" name="Slide Number Placeholder 5">
+            <a:extLst>
+              <a:ext uri="{FF2B5EF4-FFF2-40B4-BE49-F238E27FC236}">
+                <a16:creationId xmlns:a16="http://schemas.microsoft.com/office/drawing/2014/main" id="{8E0510B8-2E78-20E7-4DBB-06CABF68D68D}"/>
+              </a:ext>
+            </a:extLst>
+          </p:cNvPr>
+          <p:cNvSpPr>
+            <a:spLocks noGrp="1"/>
+          </p:cNvSpPr>
+          <p:nvPr>
+            <p:ph type="sldNum" sz="quarter" idx="12"/>
+          </p:nvPr>
+        </p:nvSpPr>
+        <p:spPr>
+          <a:xfrm>
+            <a:off x="8610600" y="6356350"/>
+            <a:ext cx="3028122" cy="365125"/>
+          </a:xfrm>
+          <a:prstGeom prst="rect">
+            <a:avLst/>
+          </a:prstGeom>
+        </p:spPr>
+        <p:txBody>
+          <a:bodyPr anchor="ctr"/>
+          <a:lstStyle>
+            <a:lvl1pPr algn="r">
+              <a:defRPr sz="1000">
+                <a:solidFill>
+                  <a:schemeClr val="tx2"/>
+                </a:solidFill>
+                <a:latin typeface="SF Compact Rounded" pitchFamily="2" charset="77"/>
+              </a:defRPr>
+            </a:lvl1pPr>
+          </a:lstStyle>
+          <a:p>
+            <a:fld id="{1E7E87EC-D468-6B42-A141-7B085F32EA20}" type="slidenum">
+              <a:rPr lang="en-US" smtClean="0"/>
+              <a:pPr/>
+              <a:t>32</a:t>
             </a:fld>
             <a:endParaRPr lang="en-US" dirty="0"/>
           </a:p>
@@ -15778,7 +16653,7 @@
 </p:sld>
 </file>
 
-<file path=ppt/slides/slide3.xml><?xml version="1.0" encoding="utf-8"?>
+<file path=ppt/slides/slide33.xml><?xml version="1.0" encoding="utf-8"?>
 <p:sld xmlns:a="http://schemas.openxmlformats.org/drawingml/2006/main" xmlns:r="http://schemas.openxmlformats.org/officeDocument/2006/relationships" xmlns:p="http://schemas.openxmlformats.org/presentationml/2006/main">
   <p:cSld>
     <p:spTree>
@@ -15832,7 +16707,7 @@
                 <a:ea typeface="SF Pro Display" pitchFamily="2" charset="0"/>
                 <a:cs typeface="Nirmala Text" panose="020B0604020202020204" pitchFamily="34" charset="0"/>
               </a:rPr>
-              <a:t>Introduction</a:t>
+              <a:t>Conclusions</a:t>
             </a:r>
             <a:endParaRPr lang="en-US" sz="2400" b="1" dirty="0">
               <a:solidFill>
@@ -15848,1150 +16723,7 @@
     </p:spTree>
     <p:extLst>
       <p:ext uri="{BB962C8B-B14F-4D97-AF65-F5344CB8AC3E}">
-        <p14:creationId xmlns:p14="http://schemas.microsoft.com/office/powerpoint/2010/main" val="2052034157"/>
-      </p:ext>
-    </p:extLst>
-  </p:cSld>
-  <p:clrMapOvr>
-    <a:masterClrMapping/>
-  </p:clrMapOvr>
-</p:sld>
-</file>
-
-<file path=ppt/slides/slide30.xml><?xml version="1.0" encoding="utf-8"?>
-<p:sld xmlns:a="http://schemas.openxmlformats.org/drawingml/2006/main" xmlns:r="http://schemas.openxmlformats.org/officeDocument/2006/relationships" xmlns:p="http://schemas.openxmlformats.org/presentationml/2006/main">
-  <p:cSld>
-    <p:spTree>
-      <p:nvGrpSpPr>
-        <p:cNvPr id="1" name=""/>
-        <p:cNvGrpSpPr/>
-        <p:nvPr/>
-      </p:nvGrpSpPr>
-      <p:grpSpPr>
-        <a:xfrm>
-          <a:off x="0" y="0"/>
-          <a:ext cx="0" cy="0"/>
-          <a:chOff x="0" y="0"/>
-          <a:chExt cx="0" cy="0"/>
-        </a:xfrm>
-      </p:grpSpPr>
-      <p:sp>
-        <p:nvSpPr>
-          <p:cNvPr id="2" name="Title 1">
-            <a:extLst>
-              <a:ext uri="{FF2B5EF4-FFF2-40B4-BE49-F238E27FC236}">
-                <a16:creationId xmlns:a16="http://schemas.microsoft.com/office/drawing/2014/main" id="{91556312-D863-0258-95A6-3C3D9EFE4F0C}"/>
-              </a:ext>
-            </a:extLst>
-          </p:cNvPr>
-          <p:cNvSpPr>
-            <a:spLocks noGrp="1"/>
-          </p:cNvSpPr>
-          <p:nvPr>
-            <p:ph type="ctrTitle"/>
-          </p:nvPr>
-        </p:nvSpPr>
-        <p:spPr>
-          <a:xfrm>
-            <a:off x="578426" y="2356506"/>
-            <a:ext cx="11035147" cy="2144988"/>
-          </a:xfrm>
-        </p:spPr>
-        <p:txBody>
-          <a:bodyPr anchor="ctr">
-            <a:normAutofit/>
-          </a:bodyPr>
-          <a:lstStyle/>
-          <a:p>
-            <a:r>
-              <a:rPr lang="en-US" sz="4400" b="1" dirty="0">
-                <a:solidFill>
-                  <a:schemeClr val="tx2"/>
-                </a:solidFill>
-                <a:latin typeface="SF Compact Rounded Heavy" pitchFamily="2" charset="77"/>
-                <a:ea typeface="SF Pro Display" pitchFamily="2" charset="0"/>
-                <a:cs typeface="Nirmala Text" panose="020B0604020202020204" pitchFamily="34" charset="0"/>
-              </a:rPr>
-              <a:t>Conclusions</a:t>
-            </a:r>
-            <a:endParaRPr lang="en-US" sz="2400" b="1" dirty="0">
-              <a:solidFill>
-                <a:schemeClr val="tx2"/>
-              </a:solidFill>
-              <a:latin typeface="SF Compact Rounded Heavy" pitchFamily="2" charset="77"/>
-              <a:ea typeface="SF Pro Display" pitchFamily="2" charset="0"/>
-              <a:cs typeface="Nirmala Text" panose="020B0604020202020204" pitchFamily="34" charset="0"/>
-            </a:endParaRPr>
-          </a:p>
-        </p:txBody>
-      </p:sp>
-    </p:spTree>
-    <p:extLst>
-      <p:ext uri="{BB962C8B-B14F-4D97-AF65-F5344CB8AC3E}">
         <p14:creationId xmlns:p14="http://schemas.microsoft.com/office/powerpoint/2010/main" val="4072899399"/>
-      </p:ext>
-    </p:extLst>
-  </p:cSld>
-  <p:clrMapOvr>
-    <a:masterClrMapping/>
-  </p:clrMapOvr>
-</p:sld>
-</file>
-
-<file path=ppt/slides/slide31.xml><?xml version="1.0" encoding="utf-8"?>
-<p:sld xmlns:a="http://schemas.openxmlformats.org/drawingml/2006/main" xmlns:r="http://schemas.openxmlformats.org/officeDocument/2006/relationships" xmlns:p="http://schemas.openxmlformats.org/presentationml/2006/main">
-  <p:cSld>
-    <p:spTree>
-      <p:nvGrpSpPr>
-        <p:cNvPr id="1" name=""/>
-        <p:cNvGrpSpPr/>
-        <p:nvPr/>
-      </p:nvGrpSpPr>
-      <p:grpSpPr>
-        <a:xfrm>
-          <a:off x="0" y="0"/>
-          <a:ext cx="0" cy="0"/>
-          <a:chOff x="0" y="0"/>
-          <a:chExt cx="0" cy="0"/>
-        </a:xfrm>
-      </p:grpSpPr>
-      <p:sp>
-        <p:nvSpPr>
-          <p:cNvPr id="2" name="Text Placeholder 1">
-            <a:extLst>
-              <a:ext uri="{FF2B5EF4-FFF2-40B4-BE49-F238E27FC236}">
-                <a16:creationId xmlns:a16="http://schemas.microsoft.com/office/drawing/2014/main" id="{DEDB9BE8-C609-A873-CBBC-0CA104AA9588}"/>
-              </a:ext>
-            </a:extLst>
-          </p:cNvPr>
-          <p:cNvSpPr>
-            <a:spLocks noGrp="1"/>
-          </p:cNvSpPr>
-          <p:nvPr>
-            <p:ph type="body" sz="quarter" idx="13"/>
-          </p:nvPr>
-        </p:nvSpPr>
-        <p:spPr/>
-        <p:txBody>
-          <a:bodyPr/>
-          <a:lstStyle/>
-          <a:p>
-            <a:endParaRPr lang="en-US"/>
-          </a:p>
-        </p:txBody>
-      </p:sp>
-      <p:sp>
-        <p:nvSpPr>
-          <p:cNvPr id="3" name="Title 2">
-            <a:extLst>
-              <a:ext uri="{FF2B5EF4-FFF2-40B4-BE49-F238E27FC236}">
-                <a16:creationId xmlns:a16="http://schemas.microsoft.com/office/drawing/2014/main" id="{18AA4D6E-70D3-8C8F-AF9E-00FC624637F9}"/>
-              </a:ext>
-            </a:extLst>
-          </p:cNvPr>
-          <p:cNvSpPr>
-            <a:spLocks noGrp="1"/>
-          </p:cNvSpPr>
-          <p:nvPr>
-            <p:ph type="title"/>
-          </p:nvPr>
-        </p:nvSpPr>
-        <p:spPr>
-          <a:xfrm>
-            <a:off x="841248" y="365760"/>
-            <a:ext cx="11161644" cy="767936"/>
-          </a:xfrm>
-        </p:spPr>
-        <p:txBody>
-          <a:bodyPr>
-            <a:normAutofit/>
-          </a:bodyPr>
-          <a:lstStyle/>
-          <a:p>
-            <a:r>
-              <a:rPr lang="en-US" dirty="0"/>
-              <a:t>Conclusions</a:t>
-            </a:r>
-            <a:r>
-              <a:rPr lang="en-US" b="0" dirty="0"/>
-              <a:t> – Communication (and Deployment)</a:t>
-            </a:r>
-          </a:p>
-        </p:txBody>
-      </p:sp>
-      <p:sp>
-        <p:nvSpPr>
-          <p:cNvPr id="4" name="Content Placeholder 3">
-            <a:extLst>
-              <a:ext uri="{FF2B5EF4-FFF2-40B4-BE49-F238E27FC236}">
-                <a16:creationId xmlns:a16="http://schemas.microsoft.com/office/drawing/2014/main" id="{4391D70F-9C2B-F376-3A6F-BE5CA85CF1FC}"/>
-              </a:ext>
-            </a:extLst>
-          </p:cNvPr>
-          <p:cNvSpPr>
-            <a:spLocks noGrp="1"/>
-          </p:cNvSpPr>
-          <p:nvPr>
-            <p:ph idx="1"/>
-          </p:nvPr>
-        </p:nvSpPr>
-        <p:spPr>
-          <a:xfrm>
-            <a:off x="841248" y="1207008"/>
-            <a:ext cx="10526663" cy="4969565"/>
-          </a:xfrm>
-        </p:spPr>
-        <p:txBody>
-          <a:bodyPr/>
-          <a:lstStyle/>
-          <a:p>
-            <a:pPr marL="177800" lvl="0" indent="-171450" algn="l" rtl="0">
-              <a:spcBef>
-                <a:spcPts val="0"/>
-              </a:spcBef>
-              <a:spcAft>
-                <a:spcPts val="0"/>
-              </a:spcAft>
-              <a:buSzPts val="2100"/>
-              <a:buFont typeface="Nunito"/>
-              <a:buChar char="•"/>
-            </a:pPr>
-            <a:r>
-              <a:rPr lang="en-US" dirty="0">
-                <a:latin typeface="Nunito"/>
-                <a:ea typeface="Nunito"/>
-                <a:cs typeface="Nunito"/>
-                <a:sym typeface="Nunito"/>
-              </a:rPr>
-              <a:t>Using the </a:t>
-            </a:r>
-            <a:r>
-              <a:rPr lang="en-US" b="1" dirty="0">
-                <a:latin typeface="Nunito"/>
-                <a:ea typeface="Nunito"/>
-                <a:cs typeface="Nunito"/>
-                <a:sym typeface="Nunito"/>
-              </a:rPr>
-              <a:t>sequential features selector</a:t>
-            </a:r>
-            <a:r>
-              <a:rPr lang="en-US" dirty="0">
-                <a:latin typeface="Nunito"/>
-                <a:ea typeface="Nunito"/>
-                <a:cs typeface="Nunito"/>
-                <a:sym typeface="Nunito"/>
-              </a:rPr>
-              <a:t> across the </a:t>
-            </a:r>
-            <a:r>
-              <a:rPr lang="en-US" dirty="0" err="1">
-                <a:latin typeface="Nunito"/>
-                <a:ea typeface="Nunito"/>
-                <a:cs typeface="Nunito"/>
-                <a:sym typeface="Nunito"/>
-              </a:rPr>
-              <a:t>RidgeRegression</a:t>
-            </a:r>
-            <a:r>
-              <a:rPr lang="en-US" dirty="0">
-                <a:latin typeface="Nunito"/>
-                <a:ea typeface="Nunito"/>
-                <a:cs typeface="Nunito"/>
-                <a:sym typeface="Nunito"/>
-              </a:rPr>
-              <a:t>, Logistic Regression, and SVM models, there were some variables that appeared in more often in the selection processes, in particular, seed_1 - the seed number for team 1 - was used in all eight models.</a:t>
-            </a:r>
-          </a:p>
-          <a:p>
-            <a:pPr marL="177800" lvl="0" indent="-171450" algn="l" rtl="0">
-              <a:spcBef>
-                <a:spcPts val="0"/>
-              </a:spcBef>
-              <a:spcAft>
-                <a:spcPts val="0"/>
-              </a:spcAft>
-              <a:buClr>
-                <a:schemeClr val="lt1"/>
-              </a:buClr>
-              <a:buSzPts val="2100"/>
-              <a:buFont typeface="Nunito"/>
-              <a:buChar char="•"/>
-            </a:pPr>
-            <a:r>
-              <a:rPr lang="en-US" dirty="0">
-                <a:solidFill>
-                  <a:schemeClr val="lt1"/>
-                </a:solidFill>
-                <a:latin typeface="Nunito"/>
-                <a:ea typeface="Nunito"/>
-                <a:cs typeface="Nunito"/>
-                <a:sym typeface="Nunito"/>
-              </a:rPr>
-              <a:t>.</a:t>
-            </a:r>
-          </a:p>
-          <a:p>
-            <a:pPr marL="177800" lvl="0" indent="-171450" algn="l" rtl="0">
-              <a:spcBef>
-                <a:spcPts val="0"/>
-              </a:spcBef>
-              <a:spcAft>
-                <a:spcPts val="0"/>
-              </a:spcAft>
-              <a:buSzPts val="2100"/>
-              <a:buFont typeface="Nunito"/>
-              <a:buChar char="•"/>
-            </a:pPr>
-            <a:r>
-              <a:rPr lang="en-US" dirty="0">
-                <a:latin typeface="Nunito"/>
-                <a:ea typeface="Nunito"/>
-                <a:cs typeface="Nunito"/>
-                <a:sym typeface="Nunito"/>
-              </a:rPr>
-              <a:t>This means </a:t>
-            </a:r>
-            <a:r>
-              <a:rPr lang="en-US" b="1" dirty="0">
-                <a:latin typeface="Nunito"/>
-                <a:ea typeface="Nunito"/>
-                <a:cs typeface="Nunito"/>
-                <a:sym typeface="Nunito"/>
-              </a:rPr>
-              <a:t>this variable has significant weight</a:t>
-            </a:r>
-            <a:r>
-              <a:rPr lang="en-US" dirty="0">
-                <a:latin typeface="Nunito"/>
-                <a:ea typeface="Nunito"/>
-                <a:cs typeface="Nunito"/>
-                <a:sym typeface="Nunito"/>
-              </a:rPr>
-              <a:t> in determining the outcome and should be considering in future predictive modeling that undertakes this task of tournament prediction.</a:t>
-            </a:r>
-            <a:endParaRPr lang="en-US" dirty="0"/>
-          </a:p>
-        </p:txBody>
-      </p:sp>
-      <p:sp>
-        <p:nvSpPr>
-          <p:cNvPr id="5" name="Slide Number Placeholder 5">
-            <a:extLst>
-              <a:ext uri="{FF2B5EF4-FFF2-40B4-BE49-F238E27FC236}">
-                <a16:creationId xmlns:a16="http://schemas.microsoft.com/office/drawing/2014/main" id="{8E0510B8-2E78-20E7-4DBB-06CABF68D68D}"/>
-              </a:ext>
-            </a:extLst>
-          </p:cNvPr>
-          <p:cNvSpPr>
-            <a:spLocks noGrp="1"/>
-          </p:cNvSpPr>
-          <p:nvPr>
-            <p:ph type="sldNum" sz="quarter" idx="12"/>
-          </p:nvPr>
-        </p:nvSpPr>
-        <p:spPr>
-          <a:xfrm>
-            <a:off x="8610600" y="6356350"/>
-            <a:ext cx="3028122" cy="365125"/>
-          </a:xfrm>
-          <a:prstGeom prst="rect">
-            <a:avLst/>
-          </a:prstGeom>
-        </p:spPr>
-        <p:txBody>
-          <a:bodyPr anchor="ctr"/>
-          <a:lstStyle>
-            <a:lvl1pPr algn="r">
-              <a:defRPr sz="1000">
-                <a:solidFill>
-                  <a:schemeClr val="tx2"/>
-                </a:solidFill>
-                <a:latin typeface="SF Compact Rounded" pitchFamily="2" charset="77"/>
-              </a:defRPr>
-            </a:lvl1pPr>
-          </a:lstStyle>
-          <a:p>
-            <a:fld id="{1E7E87EC-D468-6B42-A141-7B085F32EA20}" type="slidenum">
-              <a:rPr lang="en-US" smtClean="0"/>
-              <a:pPr/>
-              <a:t>31</a:t>
-            </a:fld>
-            <a:endParaRPr lang="en-US" dirty="0"/>
-          </a:p>
-        </p:txBody>
-      </p:sp>
-    </p:spTree>
-    <p:extLst>
-      <p:ext uri="{BB962C8B-B14F-4D97-AF65-F5344CB8AC3E}">
-        <p14:creationId xmlns:p14="http://schemas.microsoft.com/office/powerpoint/2010/main" val="2119482986"/>
-      </p:ext>
-    </p:extLst>
-  </p:cSld>
-  <p:clrMapOvr>
-    <a:masterClrMapping/>
-  </p:clrMapOvr>
-</p:sld>
-</file>
-
-<file path=ppt/slides/slide32.xml><?xml version="1.0" encoding="utf-8"?>
-<p:sld xmlns:a="http://schemas.openxmlformats.org/drawingml/2006/main" xmlns:r="http://schemas.openxmlformats.org/officeDocument/2006/relationships" xmlns:p="http://schemas.openxmlformats.org/presentationml/2006/main">
-  <p:cSld>
-    <p:spTree>
-      <p:nvGrpSpPr>
-        <p:cNvPr id="1" name=""/>
-        <p:cNvGrpSpPr/>
-        <p:nvPr/>
-      </p:nvGrpSpPr>
-      <p:grpSpPr>
-        <a:xfrm>
-          <a:off x="0" y="0"/>
-          <a:ext cx="0" cy="0"/>
-          <a:chOff x="0" y="0"/>
-          <a:chExt cx="0" cy="0"/>
-        </a:xfrm>
-      </p:grpSpPr>
-      <p:sp>
-        <p:nvSpPr>
-          <p:cNvPr id="2" name="Text Placeholder 1">
-            <a:extLst>
-              <a:ext uri="{FF2B5EF4-FFF2-40B4-BE49-F238E27FC236}">
-                <a16:creationId xmlns:a16="http://schemas.microsoft.com/office/drawing/2014/main" id="{DEDB9BE8-C609-A873-CBBC-0CA104AA9588}"/>
-              </a:ext>
-            </a:extLst>
-          </p:cNvPr>
-          <p:cNvSpPr>
-            <a:spLocks noGrp="1"/>
-          </p:cNvSpPr>
-          <p:nvPr>
-            <p:ph type="body" sz="quarter" idx="13"/>
-          </p:nvPr>
-        </p:nvSpPr>
-        <p:spPr/>
-        <p:txBody>
-          <a:bodyPr/>
-          <a:lstStyle/>
-          <a:p>
-            <a:endParaRPr lang="en-US"/>
-          </a:p>
-        </p:txBody>
-      </p:sp>
-      <p:sp>
-        <p:nvSpPr>
-          <p:cNvPr id="3" name="Title 2">
-            <a:extLst>
-              <a:ext uri="{FF2B5EF4-FFF2-40B4-BE49-F238E27FC236}">
-                <a16:creationId xmlns:a16="http://schemas.microsoft.com/office/drawing/2014/main" id="{18AA4D6E-70D3-8C8F-AF9E-00FC624637F9}"/>
-              </a:ext>
-            </a:extLst>
-          </p:cNvPr>
-          <p:cNvSpPr>
-            <a:spLocks noGrp="1"/>
-          </p:cNvSpPr>
-          <p:nvPr>
-            <p:ph type="title"/>
-          </p:nvPr>
-        </p:nvSpPr>
-        <p:spPr>
-          <a:xfrm>
-            <a:off x="841248" y="365760"/>
-            <a:ext cx="11161644" cy="767936"/>
-          </a:xfrm>
-        </p:spPr>
-        <p:txBody>
-          <a:bodyPr>
-            <a:normAutofit/>
-          </a:bodyPr>
-          <a:lstStyle/>
-          <a:p>
-            <a:r>
-              <a:rPr lang="en-US" dirty="0"/>
-              <a:t>Conclusions</a:t>
-            </a:r>
-            <a:r>
-              <a:rPr lang="en-US" b="0" dirty="0"/>
-              <a:t> – Communication (and Deployment)</a:t>
-            </a:r>
-          </a:p>
-        </p:txBody>
-      </p:sp>
-      <p:sp>
-        <p:nvSpPr>
-          <p:cNvPr id="4" name="Content Placeholder 3">
-            <a:extLst>
-              <a:ext uri="{FF2B5EF4-FFF2-40B4-BE49-F238E27FC236}">
-                <a16:creationId xmlns:a16="http://schemas.microsoft.com/office/drawing/2014/main" id="{4391D70F-9C2B-F376-3A6F-BE5CA85CF1FC}"/>
-              </a:ext>
-            </a:extLst>
-          </p:cNvPr>
-          <p:cNvSpPr>
-            <a:spLocks noGrp="1"/>
-          </p:cNvSpPr>
-          <p:nvPr>
-            <p:ph idx="1"/>
-          </p:nvPr>
-        </p:nvSpPr>
-        <p:spPr>
-          <a:xfrm>
-            <a:off x="841248" y="1207008"/>
-            <a:ext cx="10526663" cy="4969565"/>
-          </a:xfrm>
-        </p:spPr>
-        <p:txBody>
-          <a:bodyPr/>
-          <a:lstStyle/>
-          <a:p>
-            <a:pPr marL="177800" lvl="0" indent="-171450" algn="l" rtl="0">
-              <a:spcBef>
-                <a:spcPts val="0"/>
-              </a:spcBef>
-              <a:spcAft>
-                <a:spcPts val="0"/>
-              </a:spcAft>
-              <a:buSzPts val="2100"/>
-              <a:buFont typeface="Nunito"/>
-              <a:buChar char="•"/>
-            </a:pPr>
-            <a:r>
-              <a:rPr lang="en-US" dirty="0">
-                <a:latin typeface="Nunito"/>
-                <a:ea typeface="Nunito"/>
-                <a:cs typeface="Nunito"/>
-                <a:sym typeface="Nunito"/>
-              </a:rPr>
-              <a:t>There needs to be a way to account for the </a:t>
-            </a:r>
-            <a:r>
-              <a:rPr lang="en-US" b="1" dirty="0">
-                <a:latin typeface="Nunito"/>
-                <a:ea typeface="Nunito"/>
-                <a:cs typeface="Nunito"/>
-                <a:sym typeface="Nunito"/>
-              </a:rPr>
-              <a:t>randomness</a:t>
-            </a:r>
-            <a:r>
-              <a:rPr lang="en-US" dirty="0">
-                <a:latin typeface="Nunito"/>
-                <a:ea typeface="Nunito"/>
-                <a:cs typeface="Nunito"/>
-                <a:sym typeface="Nunito"/>
-              </a:rPr>
-              <a:t> of the matchups, what kind of metric can be used for this? (i.e. a player is hurt, team’s lack of sleep due to travel schedule, etc.)</a:t>
-            </a:r>
-          </a:p>
-          <a:p>
-            <a:pPr marL="177800" lvl="0" indent="-171450" algn="l" rtl="0">
-              <a:spcBef>
-                <a:spcPts val="0"/>
-              </a:spcBef>
-              <a:spcAft>
-                <a:spcPts val="0"/>
-              </a:spcAft>
-              <a:buClr>
-                <a:schemeClr val="lt1"/>
-              </a:buClr>
-              <a:buSzPts val="2100"/>
-              <a:buFont typeface="Nunito"/>
-              <a:buChar char="•"/>
-            </a:pPr>
-            <a:r>
-              <a:rPr lang="en-US" dirty="0">
-                <a:solidFill>
-                  <a:schemeClr val="lt1"/>
-                </a:solidFill>
-                <a:latin typeface="Nunito"/>
-                <a:ea typeface="Nunito"/>
-                <a:cs typeface="Nunito"/>
-                <a:sym typeface="Nunito"/>
-              </a:rPr>
-              <a:t>.</a:t>
-            </a:r>
-          </a:p>
-          <a:p>
-            <a:pPr marL="177800" lvl="0" indent="-171450" algn="l" rtl="0">
-              <a:spcBef>
-                <a:spcPts val="0"/>
-              </a:spcBef>
-              <a:spcAft>
-                <a:spcPts val="0"/>
-              </a:spcAft>
-              <a:buSzPts val="2100"/>
-              <a:buFont typeface="Nunito"/>
-              <a:buChar char="•"/>
-            </a:pPr>
-            <a:r>
-              <a:rPr lang="en-US" dirty="0">
-                <a:latin typeface="Nunito"/>
-                <a:ea typeface="Nunito"/>
-                <a:cs typeface="Nunito"/>
-                <a:sym typeface="Nunito"/>
-              </a:rPr>
-              <a:t>Especially considering this is a </a:t>
-            </a:r>
-            <a:r>
-              <a:rPr lang="en-US" b="1" dirty="0">
-                <a:latin typeface="Nunito"/>
-                <a:ea typeface="Nunito"/>
-                <a:cs typeface="Nunito"/>
-                <a:sym typeface="Nunito"/>
-              </a:rPr>
-              <a:t>single-elimination tournament</a:t>
-            </a:r>
-            <a:r>
-              <a:rPr lang="en-US" dirty="0">
-                <a:latin typeface="Nunito"/>
-                <a:ea typeface="Nunito"/>
-                <a:cs typeface="Nunito"/>
-                <a:sym typeface="Nunito"/>
-              </a:rPr>
-              <a:t>, which means any aberration in performance could mean a top team losing or a bottom team winning.</a:t>
-            </a:r>
-            <a:r>
-              <a:rPr lang="en-US" dirty="0">
-                <a:solidFill>
-                  <a:schemeClr val="lt1"/>
-                </a:solidFill>
-                <a:latin typeface="Nunito"/>
-                <a:ea typeface="Nunito"/>
-                <a:cs typeface="Nunito"/>
-                <a:sym typeface="Nunito"/>
-              </a:rPr>
-              <a:t>.</a:t>
-            </a:r>
-          </a:p>
-          <a:p>
-            <a:pPr marL="177800" lvl="0" indent="-171450" algn="l" rtl="0">
-              <a:spcBef>
-                <a:spcPts val="0"/>
-              </a:spcBef>
-              <a:spcAft>
-                <a:spcPts val="0"/>
-              </a:spcAft>
-              <a:buClr>
-                <a:schemeClr val="lt1"/>
-              </a:buClr>
-              <a:buSzPts val="2100"/>
-              <a:buFont typeface="Nunito"/>
-              <a:buChar char="•"/>
-            </a:pPr>
-            <a:r>
-              <a:rPr lang="en-US" dirty="0">
-                <a:solidFill>
-                  <a:schemeClr val="lt1"/>
-                </a:solidFill>
-                <a:latin typeface="Nunito"/>
-                <a:ea typeface="Nunito"/>
-                <a:cs typeface="Nunito"/>
-                <a:sym typeface="Nunito"/>
-              </a:rPr>
-              <a:t>.</a:t>
-            </a:r>
-          </a:p>
-          <a:p>
-            <a:pPr marL="177800" lvl="0" indent="-171450" algn="l" rtl="0">
-              <a:spcBef>
-                <a:spcPts val="0"/>
-              </a:spcBef>
-              <a:spcAft>
-                <a:spcPts val="0"/>
-              </a:spcAft>
-              <a:buSzPts val="2100"/>
-              <a:buFont typeface="Nunito"/>
-              <a:buChar char="•"/>
-            </a:pPr>
-            <a:r>
-              <a:rPr lang="en-US" dirty="0">
-                <a:latin typeface="Nunito"/>
-                <a:ea typeface="Nunito"/>
-                <a:cs typeface="Nunito"/>
-                <a:sym typeface="Nunito"/>
-              </a:rPr>
-              <a:t>This type of </a:t>
-            </a:r>
-            <a:r>
-              <a:rPr lang="en-US" b="1" dirty="0">
-                <a:latin typeface="Nunito"/>
-                <a:ea typeface="Nunito"/>
-                <a:cs typeface="Nunito"/>
-                <a:sym typeface="Nunito"/>
-              </a:rPr>
-              <a:t>unpredictability</a:t>
-            </a:r>
-            <a:r>
-              <a:rPr lang="en-US" dirty="0">
-                <a:latin typeface="Nunito"/>
-                <a:ea typeface="Nunito"/>
-                <a:cs typeface="Nunito"/>
-                <a:sym typeface="Nunito"/>
-              </a:rPr>
-              <a:t> is the ‘madness’ of March Madness.</a:t>
-            </a:r>
-            <a:endParaRPr lang="en-US" dirty="0"/>
-          </a:p>
-        </p:txBody>
-      </p:sp>
-      <p:sp>
-        <p:nvSpPr>
-          <p:cNvPr id="5" name="Slide Number Placeholder 5">
-            <a:extLst>
-              <a:ext uri="{FF2B5EF4-FFF2-40B4-BE49-F238E27FC236}">
-                <a16:creationId xmlns:a16="http://schemas.microsoft.com/office/drawing/2014/main" id="{8E0510B8-2E78-20E7-4DBB-06CABF68D68D}"/>
-              </a:ext>
-            </a:extLst>
-          </p:cNvPr>
-          <p:cNvSpPr>
-            <a:spLocks noGrp="1"/>
-          </p:cNvSpPr>
-          <p:nvPr>
-            <p:ph type="sldNum" sz="quarter" idx="12"/>
-          </p:nvPr>
-        </p:nvSpPr>
-        <p:spPr>
-          <a:xfrm>
-            <a:off x="8610600" y="6356350"/>
-            <a:ext cx="3028122" cy="365125"/>
-          </a:xfrm>
-          <a:prstGeom prst="rect">
-            <a:avLst/>
-          </a:prstGeom>
-        </p:spPr>
-        <p:txBody>
-          <a:bodyPr anchor="ctr"/>
-          <a:lstStyle>
-            <a:lvl1pPr algn="r">
-              <a:defRPr sz="1000">
-                <a:solidFill>
-                  <a:schemeClr val="tx2"/>
-                </a:solidFill>
-                <a:latin typeface="SF Compact Rounded" pitchFamily="2" charset="77"/>
-              </a:defRPr>
-            </a:lvl1pPr>
-          </a:lstStyle>
-          <a:p>
-            <a:fld id="{1E7E87EC-D468-6B42-A141-7B085F32EA20}" type="slidenum">
-              <a:rPr lang="en-US" smtClean="0"/>
-              <a:pPr/>
-              <a:t>32</a:t>
-            </a:fld>
-            <a:endParaRPr lang="en-US" dirty="0"/>
-          </a:p>
-        </p:txBody>
-      </p:sp>
-    </p:spTree>
-    <p:extLst>
-      <p:ext uri="{BB962C8B-B14F-4D97-AF65-F5344CB8AC3E}">
-        <p14:creationId xmlns:p14="http://schemas.microsoft.com/office/powerpoint/2010/main" val="2615861621"/>
-      </p:ext>
-    </p:extLst>
-  </p:cSld>
-  <p:clrMapOvr>
-    <a:masterClrMapping/>
-  </p:clrMapOvr>
-</p:sld>
-</file>
-
-<file path=ppt/slides/slide33.xml><?xml version="1.0" encoding="utf-8"?>
-<p:sld xmlns:a="http://schemas.openxmlformats.org/drawingml/2006/main" xmlns:r="http://schemas.openxmlformats.org/officeDocument/2006/relationships" xmlns:p="http://schemas.openxmlformats.org/presentationml/2006/main">
-  <p:cSld>
-    <p:spTree>
-      <p:nvGrpSpPr>
-        <p:cNvPr id="1" name=""/>
-        <p:cNvGrpSpPr/>
-        <p:nvPr/>
-      </p:nvGrpSpPr>
-      <p:grpSpPr>
-        <a:xfrm>
-          <a:off x="0" y="0"/>
-          <a:ext cx="0" cy="0"/>
-          <a:chOff x="0" y="0"/>
-          <a:chExt cx="0" cy="0"/>
-        </a:xfrm>
-      </p:grpSpPr>
-      <p:sp>
-        <p:nvSpPr>
-          <p:cNvPr id="2" name="Text Placeholder 1">
-            <a:extLst>
-              <a:ext uri="{FF2B5EF4-FFF2-40B4-BE49-F238E27FC236}">
-                <a16:creationId xmlns:a16="http://schemas.microsoft.com/office/drawing/2014/main" id="{DEDB9BE8-C609-A873-CBBC-0CA104AA9588}"/>
-              </a:ext>
-            </a:extLst>
-          </p:cNvPr>
-          <p:cNvSpPr>
-            <a:spLocks noGrp="1"/>
-          </p:cNvSpPr>
-          <p:nvPr>
-            <p:ph type="body" sz="quarter" idx="13"/>
-          </p:nvPr>
-        </p:nvSpPr>
-        <p:spPr/>
-        <p:txBody>
-          <a:bodyPr/>
-          <a:lstStyle/>
-          <a:p>
-            <a:endParaRPr lang="en-US"/>
-          </a:p>
-        </p:txBody>
-      </p:sp>
-      <p:sp>
-        <p:nvSpPr>
-          <p:cNvPr id="3" name="Title 2">
-            <a:extLst>
-              <a:ext uri="{FF2B5EF4-FFF2-40B4-BE49-F238E27FC236}">
-                <a16:creationId xmlns:a16="http://schemas.microsoft.com/office/drawing/2014/main" id="{18AA4D6E-70D3-8C8F-AF9E-00FC624637F9}"/>
-              </a:ext>
-            </a:extLst>
-          </p:cNvPr>
-          <p:cNvSpPr>
-            <a:spLocks noGrp="1"/>
-          </p:cNvSpPr>
-          <p:nvPr>
-            <p:ph type="title"/>
-          </p:nvPr>
-        </p:nvSpPr>
-        <p:spPr>
-          <a:xfrm>
-            <a:off x="841248" y="365760"/>
-            <a:ext cx="11161644" cy="767936"/>
-          </a:xfrm>
-        </p:spPr>
-        <p:txBody>
-          <a:bodyPr>
-            <a:normAutofit/>
-          </a:bodyPr>
-          <a:lstStyle/>
-          <a:p>
-            <a:r>
-              <a:rPr lang="en-US" dirty="0"/>
-              <a:t>Conclusions</a:t>
-            </a:r>
-            <a:r>
-              <a:rPr lang="en-US" b="0" dirty="0"/>
-              <a:t> – Communication (and Deployment)</a:t>
-            </a:r>
-          </a:p>
-        </p:txBody>
-      </p:sp>
-      <p:sp>
-        <p:nvSpPr>
-          <p:cNvPr id="4" name="Content Placeholder 3">
-            <a:extLst>
-              <a:ext uri="{FF2B5EF4-FFF2-40B4-BE49-F238E27FC236}">
-                <a16:creationId xmlns:a16="http://schemas.microsoft.com/office/drawing/2014/main" id="{4391D70F-9C2B-F376-3A6F-BE5CA85CF1FC}"/>
-              </a:ext>
-            </a:extLst>
-          </p:cNvPr>
-          <p:cNvSpPr>
-            <a:spLocks noGrp="1"/>
-          </p:cNvSpPr>
-          <p:nvPr>
-            <p:ph idx="1"/>
-          </p:nvPr>
-        </p:nvSpPr>
-        <p:spPr>
-          <a:xfrm>
-            <a:off x="841248" y="1207008"/>
-            <a:ext cx="10526663" cy="4969565"/>
-          </a:xfrm>
-        </p:spPr>
-        <p:txBody>
-          <a:bodyPr/>
-          <a:lstStyle/>
-          <a:p>
-            <a:pPr marL="177800" lvl="0" indent="-171450" algn="l" rtl="0">
-              <a:spcBef>
-                <a:spcPts val="0"/>
-              </a:spcBef>
-              <a:spcAft>
-                <a:spcPts val="0"/>
-              </a:spcAft>
-              <a:buSzPts val="2100"/>
-              <a:buFont typeface="Nunito"/>
-              <a:buChar char="•"/>
-            </a:pPr>
-            <a:r>
-              <a:rPr lang="en-US" dirty="0">
-                <a:latin typeface="Nunito"/>
-                <a:ea typeface="Nunito"/>
-                <a:cs typeface="Nunito"/>
-                <a:sym typeface="Nunito"/>
-              </a:rPr>
-              <a:t>This project was </a:t>
-            </a:r>
-            <a:r>
-              <a:rPr lang="en-US" b="1" dirty="0">
-                <a:latin typeface="Nunito"/>
-                <a:ea typeface="Nunito"/>
-                <a:cs typeface="Nunito"/>
-                <a:sym typeface="Nunito"/>
-              </a:rPr>
-              <a:t>fun</a:t>
-            </a:r>
-            <a:r>
-              <a:rPr lang="en-US" dirty="0">
-                <a:latin typeface="Nunito"/>
-                <a:ea typeface="Nunito"/>
-                <a:cs typeface="Nunito"/>
-                <a:sym typeface="Nunito"/>
-              </a:rPr>
-              <a:t>, but </a:t>
-            </a:r>
-            <a:r>
-              <a:rPr lang="en-US" b="1" dirty="0">
-                <a:latin typeface="Nunito"/>
-                <a:ea typeface="Nunito"/>
-                <a:cs typeface="Nunito"/>
-                <a:sym typeface="Nunito"/>
-              </a:rPr>
-              <a:t>very challenging</a:t>
-            </a:r>
-            <a:r>
-              <a:rPr lang="en-US" dirty="0">
-                <a:latin typeface="Nunito"/>
-                <a:ea typeface="Nunito"/>
-                <a:cs typeface="Nunito"/>
-                <a:sym typeface="Nunito"/>
-              </a:rPr>
-              <a:t>. Trying to accurately predict outcomes that show so much unpredictability proved to be very difficult.</a:t>
-            </a:r>
-          </a:p>
-          <a:p>
-            <a:pPr marL="177800" lvl="0" indent="-171450" algn="l" rtl="0">
-              <a:spcBef>
-                <a:spcPts val="0"/>
-              </a:spcBef>
-              <a:spcAft>
-                <a:spcPts val="0"/>
-              </a:spcAft>
-              <a:buClr>
-                <a:schemeClr val="lt1"/>
-              </a:buClr>
-              <a:buSzPts val="2100"/>
-              <a:buFont typeface="Nunito"/>
-              <a:buChar char="•"/>
-            </a:pPr>
-            <a:r>
-              <a:rPr lang="en-US" dirty="0">
-                <a:solidFill>
-                  <a:schemeClr val="lt1"/>
-                </a:solidFill>
-                <a:latin typeface="Nunito"/>
-                <a:ea typeface="Nunito"/>
-                <a:cs typeface="Nunito"/>
-                <a:sym typeface="Nunito"/>
-              </a:rPr>
-              <a:t>.</a:t>
-            </a:r>
-          </a:p>
-          <a:p>
-            <a:pPr marL="177800" lvl="0" indent="-171450" algn="l" rtl="0">
-              <a:spcBef>
-                <a:spcPts val="0"/>
-              </a:spcBef>
-              <a:spcAft>
-                <a:spcPts val="0"/>
-              </a:spcAft>
-              <a:buSzPts val="2100"/>
-              <a:buFont typeface="Nunito"/>
-              <a:buChar char="•"/>
-            </a:pPr>
-            <a:r>
-              <a:rPr lang="en-US" dirty="0">
-                <a:latin typeface="Nunito"/>
-                <a:ea typeface="Nunito"/>
-                <a:cs typeface="Nunito"/>
-                <a:sym typeface="Nunito"/>
-              </a:rPr>
-              <a:t>One learning point from this project was that we should have </a:t>
-            </a:r>
-            <a:r>
-              <a:rPr lang="en-US" b="1" dirty="0">
-                <a:latin typeface="Nunito"/>
-                <a:ea typeface="Nunito"/>
-                <a:cs typeface="Nunito"/>
-                <a:sym typeface="Nunito"/>
-              </a:rPr>
-              <a:t>provisioned our time at the onset</a:t>
-            </a:r>
-            <a:r>
-              <a:rPr lang="en-US" dirty="0">
-                <a:latin typeface="Nunito"/>
-                <a:ea typeface="Nunito"/>
-                <a:cs typeface="Nunito"/>
-                <a:sym typeface="Nunito"/>
-              </a:rPr>
-              <a:t> (to allow sufficient time for model and hyperparameter tuning).</a:t>
-            </a:r>
-            <a:r>
-              <a:rPr lang="en-US" dirty="0">
-                <a:solidFill>
-                  <a:schemeClr val="lt1"/>
-                </a:solidFill>
-                <a:latin typeface="Nunito"/>
-                <a:ea typeface="Nunito"/>
-                <a:cs typeface="Nunito"/>
-                <a:sym typeface="Nunito"/>
-              </a:rPr>
-              <a:t>.</a:t>
-            </a:r>
-          </a:p>
-          <a:p>
-            <a:pPr marL="177800" lvl="0" indent="-171450" algn="l" rtl="0">
-              <a:spcBef>
-                <a:spcPts val="0"/>
-              </a:spcBef>
-              <a:spcAft>
-                <a:spcPts val="0"/>
-              </a:spcAft>
-              <a:buClr>
-                <a:schemeClr val="lt1"/>
-              </a:buClr>
-              <a:buSzPts val="2100"/>
-              <a:buFont typeface="Nunito"/>
-              <a:buChar char="•"/>
-            </a:pPr>
-            <a:r>
-              <a:rPr lang="en-US" dirty="0">
-                <a:solidFill>
-                  <a:schemeClr val="lt1"/>
-                </a:solidFill>
-                <a:latin typeface="Nunito"/>
-                <a:ea typeface="Nunito"/>
-                <a:cs typeface="Nunito"/>
-                <a:sym typeface="Nunito"/>
-              </a:rPr>
-              <a:t>.</a:t>
-            </a:r>
-          </a:p>
-          <a:p>
-            <a:pPr marL="177800" lvl="0" indent="-171450" algn="l" rtl="0">
-              <a:spcBef>
-                <a:spcPts val="0"/>
-              </a:spcBef>
-              <a:spcAft>
-                <a:spcPts val="0"/>
-              </a:spcAft>
-              <a:buSzPts val="2100"/>
-              <a:buFont typeface="Nunito"/>
-              <a:buChar char="•"/>
-            </a:pPr>
-            <a:r>
-              <a:rPr lang="en-US" dirty="0">
-                <a:latin typeface="Nunito"/>
-                <a:ea typeface="Nunito"/>
-                <a:cs typeface="Nunito"/>
-                <a:sym typeface="Nunito"/>
-              </a:rPr>
-              <a:t>Another learning point, feature engineering is very important. It would have been better to establish ‘</a:t>
-            </a:r>
-            <a:r>
-              <a:rPr lang="en-US" b="1" dirty="0">
-                <a:latin typeface="Nunito"/>
-                <a:ea typeface="Nunito"/>
-                <a:cs typeface="Nunito"/>
-                <a:sym typeface="Nunito"/>
-              </a:rPr>
-              <a:t>hot team</a:t>
-            </a:r>
-            <a:r>
-              <a:rPr lang="en-US" dirty="0">
-                <a:latin typeface="Nunito"/>
-                <a:ea typeface="Nunito"/>
-                <a:cs typeface="Nunito"/>
-                <a:sym typeface="Nunito"/>
-              </a:rPr>
-              <a:t>’ and ‘</a:t>
-            </a:r>
-            <a:r>
-              <a:rPr lang="en-US" b="1" dirty="0">
-                <a:latin typeface="Nunito"/>
-                <a:ea typeface="Nunito"/>
-                <a:cs typeface="Nunito"/>
-                <a:sym typeface="Nunito"/>
-              </a:rPr>
-              <a:t>tried team</a:t>
-            </a:r>
-            <a:r>
-              <a:rPr lang="en-US" dirty="0">
-                <a:latin typeface="Nunito"/>
-                <a:ea typeface="Nunito"/>
-                <a:cs typeface="Nunito"/>
-                <a:sym typeface="Nunito"/>
-              </a:rPr>
-              <a:t>’ features - for streaking teams; </a:t>
-            </a:r>
-            <a:r>
-              <a:rPr lang="en-US" b="1" dirty="0">
-                <a:latin typeface="Nunito"/>
-                <a:ea typeface="Nunito"/>
-                <a:cs typeface="Nunito"/>
-                <a:sym typeface="Nunito"/>
-              </a:rPr>
-              <a:t>bring in time-series</a:t>
-            </a:r>
-            <a:r>
-              <a:rPr lang="en-US" dirty="0">
-                <a:latin typeface="Nunito"/>
-                <a:ea typeface="Nunito"/>
-                <a:cs typeface="Nunito"/>
-                <a:sym typeface="Nunito"/>
-              </a:rPr>
-              <a:t>.</a:t>
-            </a:r>
-            <a:endParaRPr lang="en-US" dirty="0"/>
-          </a:p>
-        </p:txBody>
-      </p:sp>
-      <p:sp>
-        <p:nvSpPr>
-          <p:cNvPr id="5" name="Slide Number Placeholder 5">
-            <a:extLst>
-              <a:ext uri="{FF2B5EF4-FFF2-40B4-BE49-F238E27FC236}">
-                <a16:creationId xmlns:a16="http://schemas.microsoft.com/office/drawing/2014/main" id="{8E0510B8-2E78-20E7-4DBB-06CABF68D68D}"/>
-              </a:ext>
-            </a:extLst>
-          </p:cNvPr>
-          <p:cNvSpPr>
-            <a:spLocks noGrp="1"/>
-          </p:cNvSpPr>
-          <p:nvPr>
-            <p:ph type="sldNum" sz="quarter" idx="12"/>
-          </p:nvPr>
-        </p:nvSpPr>
-        <p:spPr>
-          <a:xfrm>
-            <a:off x="8610600" y="6356350"/>
-            <a:ext cx="3028122" cy="365125"/>
-          </a:xfrm>
-          <a:prstGeom prst="rect">
-            <a:avLst/>
-          </a:prstGeom>
-        </p:spPr>
-        <p:txBody>
-          <a:bodyPr anchor="ctr"/>
-          <a:lstStyle>
-            <a:lvl1pPr algn="r">
-              <a:defRPr sz="1000">
-                <a:solidFill>
-                  <a:schemeClr val="tx2"/>
-                </a:solidFill>
-                <a:latin typeface="SF Compact Rounded" pitchFamily="2" charset="77"/>
-              </a:defRPr>
-            </a:lvl1pPr>
-          </a:lstStyle>
-          <a:p>
-            <a:fld id="{1E7E87EC-D468-6B42-A141-7B085F32EA20}" type="slidenum">
-              <a:rPr lang="en-US" smtClean="0"/>
-              <a:pPr/>
-              <a:t>33</a:t>
-            </a:fld>
-            <a:endParaRPr lang="en-US" dirty="0"/>
-          </a:p>
-        </p:txBody>
-      </p:sp>
-    </p:spTree>
-    <p:extLst>
-      <p:ext uri="{BB962C8B-B14F-4D97-AF65-F5344CB8AC3E}">
-        <p14:creationId xmlns:p14="http://schemas.microsoft.com/office/powerpoint/2010/main" val="318097353"/>
       </p:ext>
     </p:extLst>
   </p:cSld>
@@ -17126,7 +16858,7 @@
                 <a:cs typeface="Nunito"/>
                 <a:sym typeface="Nunito"/>
               </a:rPr>
-              <a:t>I think using a </a:t>
+              <a:t>Using the </a:t>
             </a:r>
             <a:r>
               <a:rPr lang="en-US" b="1" dirty="0">
@@ -17135,7 +16867,7 @@
                 <a:cs typeface="Nunito"/>
                 <a:sym typeface="Nunito"/>
               </a:rPr>
-              <a:t>convoluted neural network model</a:t>
+              <a:t>sequential features selector</a:t>
             </a:r>
             <a:r>
               <a:rPr lang="en-US" dirty="0">
@@ -17144,7 +16876,25 @@
                 <a:cs typeface="Nunito"/>
                 <a:sym typeface="Nunito"/>
               </a:rPr>
-              <a:t> with transfer learning from regular season data might be a better approach.</a:t>
+              <a:t> across the </a:t>
+            </a:r>
+            <a:r>
+              <a:rPr lang="en-US" dirty="0" err="1">
+                <a:latin typeface="Nunito"/>
+                <a:ea typeface="Nunito"/>
+                <a:cs typeface="Nunito"/>
+                <a:sym typeface="Nunito"/>
+              </a:rPr>
+              <a:t>RidgeRegression</a:t>
+            </a:r>
+            <a:r>
+              <a:rPr lang="en-US" dirty="0">
+                <a:latin typeface="Nunito"/>
+                <a:ea typeface="Nunito"/>
+                <a:cs typeface="Nunito"/>
+                <a:sym typeface="Nunito"/>
+              </a:rPr>
+              <a:t>, Logistic Regression, and SVM models, there were some variables that appeared in more often in the selection processes, in particular, seed_1 - the seed number for team 1 - was used in all eight models.</a:t>
             </a:r>
           </a:p>
           <a:p>
@@ -17194,7 +16944,7 @@
                 <a:cs typeface="Nunito"/>
                 <a:sym typeface="Nunito"/>
               </a:rPr>
-              <a:t>The </a:t>
+              <a:t>This means </a:t>
             </a:r>
             <a:r>
               <a:rPr lang="en-US" b="1" dirty="0">
@@ -17203,7 +16953,7 @@
                 <a:cs typeface="Nunito"/>
                 <a:sym typeface="Nunito"/>
               </a:rPr>
-              <a:t>brier score</a:t>
+              <a:t>this variable has significant weight</a:t>
             </a:r>
             <a:r>
               <a:rPr lang="en-US" dirty="0">
@@ -17212,7 +16962,7 @@
                 <a:cs typeface="Nunito"/>
                 <a:sym typeface="Nunito"/>
               </a:rPr>
-              <a:t> metric was new for us, fully understanding this metric and using this metric to optimize model may also prove to be a smarter tactic.</a:t>
+              <a:t> in determining the outcome and should be considering in future predictive modeling that undertakes this task of tournament prediction.</a:t>
             </a:r>
             <a:endParaRPr lang="en-US" dirty="0"/>
           </a:p>
@@ -17268,7 +17018,7 @@
     </p:spTree>
     <p:extLst>
       <p:ext uri="{BB962C8B-B14F-4D97-AF65-F5344CB8AC3E}">
-        <p14:creationId xmlns:p14="http://schemas.microsoft.com/office/powerpoint/2010/main" val="516321824"/>
+        <p14:creationId xmlns:p14="http://schemas.microsoft.com/office/powerpoint/2010/main" val="2119482986"/>
       </p:ext>
     </p:extLst>
   </p:cSld>
@@ -17350,9 +17100,12 @@
           <a:p>
             <a:r>
               <a:rPr lang="en-US" dirty="0"/>
-              <a:t>References</a:t>
-            </a:r>
-            <a:endParaRPr lang="en-US" b="0" dirty="0"/>
+              <a:t>Conclusions</a:t>
+            </a:r>
+            <a:r>
+              <a:rPr lang="en-US" b="0" dirty="0"/>
+              <a:t> – Communication (and Deployment)</a:t>
+            </a:r>
           </a:p>
         </p:txBody>
       </p:sp>
@@ -17375,200 +17128,200 @@
         <p:spPr>
           <a:xfrm>
             <a:off x="841248" y="1207008"/>
-            <a:ext cx="10910485" cy="4969565"/>
+            <a:ext cx="10526663" cy="4969565"/>
           </a:xfrm>
         </p:spPr>
         <p:txBody>
-          <a:bodyPr>
-            <a:normAutofit/>
-          </a:bodyPr>
+          <a:bodyPr/>
           <a:lstStyle/>
           <a:p>
-            <a:pPr marL="0" indent="0">
-              <a:buNone/>
+            <a:pPr marL="177800" lvl="0" indent="-171450" algn="l" rtl="0">
+              <a:spcBef>
+                <a:spcPts val="0"/>
+              </a:spcBef>
+              <a:spcAft>
+                <a:spcPts val="0"/>
+              </a:spcAft>
+              <a:buSzPts val="2100"/>
+              <a:buFont typeface="Nunito"/>
+              <a:buChar char="•"/>
             </a:pPr>
             <a:r>
-              <a:rPr lang="en-US" sz="2000" dirty="0"/>
-              <a:t>1. David </a:t>
-            </a:r>
-            <a:r>
-              <a:rPr lang="en-US" sz="2000" dirty="0" err="1"/>
-              <a:t>Purdum</a:t>
-            </a:r>
-            <a:r>
-              <a:rPr lang="en-US" sz="2000" dirty="0"/>
-              <a:t> (2017). ESPN – 70 million brackets, $10.4 billion in bets expected for March Madness. American Gaming Association. </a:t>
-            </a:r>
-            <a:r>
-              <a:rPr lang="en-US" sz="2000" dirty="0">
-                <a:hlinkClick r:id="rId2"/>
+              <a:rPr lang="en-US" dirty="0">
+                <a:latin typeface="Nunito"/>
+                <a:ea typeface="Nunito"/>
+                <a:cs typeface="Nunito"/>
+                <a:sym typeface="Nunito"/>
               </a:rPr>
-              <a:t>https://</a:t>
-            </a:r>
-            <a:r>
-              <a:rPr lang="en-US" sz="2000" dirty="0" err="1">
-                <a:hlinkClick r:id="rId2"/>
+              <a:t>There needs to be a way to account for the </a:t>
+            </a:r>
+            <a:r>
+              <a:rPr lang="en-US" b="1" dirty="0">
+                <a:latin typeface="Nunito"/>
+                <a:ea typeface="Nunito"/>
+                <a:cs typeface="Nunito"/>
+                <a:sym typeface="Nunito"/>
               </a:rPr>
-              <a:t>www.americangaming.org</a:t>
-            </a:r>
-            <a:r>
-              <a:rPr lang="en-US" sz="2000" dirty="0">
-                <a:hlinkClick r:id="rId2"/>
+              <a:t>randomness</a:t>
+            </a:r>
+            <a:r>
+              <a:rPr lang="en-US" dirty="0">
+                <a:latin typeface="Nunito"/>
+                <a:ea typeface="Nunito"/>
+                <a:cs typeface="Nunito"/>
+                <a:sym typeface="Nunito"/>
               </a:rPr>
-              <a:t>/new/espn-70-million-brackets-10-4-billion-in-bets-expected-for-march-madness/</a:t>
-            </a:r>
-            <a:r>
-              <a:rPr lang="en-US" sz="2000" dirty="0"/>
-              <a:t> accessed: 18 March 2023.</a:t>
-            </a:r>
-          </a:p>
-          <a:p>
-            <a:pPr marL="0" indent="0">
-              <a:buNone/>
+              <a:t> of the matchups, what kind of metric can be used for this? (i.e. a player is hurt, team’s lack of sleep due to travel schedule, etc.)</a:t>
+            </a:r>
+          </a:p>
+          <a:p>
+            <a:pPr marL="177800" lvl="0" indent="-171450" algn="l" rtl="0">
+              <a:spcBef>
+                <a:spcPts val="0"/>
+              </a:spcBef>
+              <a:spcAft>
+                <a:spcPts val="0"/>
+              </a:spcAft>
+              <a:buClr>
+                <a:schemeClr val="lt1"/>
+              </a:buClr>
+              <a:buSzPts val="2100"/>
+              <a:buFont typeface="Nunito"/>
+              <a:buChar char="•"/>
             </a:pPr>
             <a:r>
-              <a:rPr lang="en-US" sz="2000" dirty="0"/>
-              <a:t>2. American Gaming Association (2022). 2022 March Madness Wagering Estimates. American Gaming Association. </a:t>
-            </a:r>
-            <a:r>
-              <a:rPr lang="en-US" sz="2000" dirty="0">
-                <a:hlinkClick r:id="rId3"/>
+              <a:rPr lang="en-US" dirty="0">
+                <a:solidFill>
+                  <a:schemeClr val="lt1"/>
+                </a:solidFill>
+                <a:latin typeface="Nunito"/>
+                <a:ea typeface="Nunito"/>
+                <a:cs typeface="Nunito"/>
+                <a:sym typeface="Nunito"/>
               </a:rPr>
-              <a:t>https://</a:t>
-            </a:r>
-            <a:r>
-              <a:rPr lang="en-US" sz="2000" dirty="0" err="1">
-                <a:hlinkClick r:id="rId3"/>
+              <a:t>.</a:t>
+            </a:r>
+          </a:p>
+          <a:p>
+            <a:pPr marL="177800" lvl="0" indent="-171450" algn="l" rtl="0">
+              <a:spcBef>
+                <a:spcPts val="0"/>
+              </a:spcBef>
+              <a:spcAft>
+                <a:spcPts val="0"/>
+              </a:spcAft>
+              <a:buSzPts val="2100"/>
+              <a:buFont typeface="Nunito"/>
+              <a:buChar char="•"/>
+            </a:pPr>
+            <a:r>
+              <a:rPr lang="en-US" dirty="0">
+                <a:latin typeface="Nunito"/>
+                <a:ea typeface="Nunito"/>
+                <a:cs typeface="Nunito"/>
+                <a:sym typeface="Nunito"/>
               </a:rPr>
-              <a:t>www.americangaming.org</a:t>
-            </a:r>
-            <a:r>
-              <a:rPr lang="en-US" sz="2000" dirty="0">
-                <a:hlinkClick r:id="rId3"/>
+              <a:t>Especially considering this is a </a:t>
+            </a:r>
+            <a:r>
+              <a:rPr lang="en-US" b="1" dirty="0">
+                <a:latin typeface="Nunito"/>
+                <a:ea typeface="Nunito"/>
+                <a:cs typeface="Nunito"/>
+                <a:sym typeface="Nunito"/>
               </a:rPr>
-              <a:t>/resources/march-madness-2022/</a:t>
-            </a:r>
-            <a:r>
-              <a:rPr lang="en-US" sz="2000" dirty="0"/>
-              <a:t> accessed: 18 March 2023.</a:t>
-            </a:r>
-          </a:p>
-          <a:p>
-            <a:pPr marL="0" indent="0">
-              <a:buNone/>
+              <a:t>single-elimination tournament</a:t>
+            </a:r>
+            <a:r>
+              <a:rPr lang="en-US" dirty="0">
+                <a:latin typeface="Nunito"/>
+                <a:ea typeface="Nunito"/>
+                <a:cs typeface="Nunito"/>
+                <a:sym typeface="Nunito"/>
+              </a:rPr>
+              <a:t>, which means any aberration in performance could mean a top team losing or a bottom team winning.</a:t>
+            </a:r>
+            <a:r>
+              <a:rPr lang="en-US" dirty="0">
+                <a:solidFill>
+                  <a:schemeClr val="lt1"/>
+                </a:solidFill>
+                <a:latin typeface="Nunito"/>
+                <a:ea typeface="Nunito"/>
+                <a:cs typeface="Nunito"/>
+                <a:sym typeface="Nunito"/>
+              </a:rPr>
+              <a:t>.</a:t>
+            </a:r>
+          </a:p>
+          <a:p>
+            <a:pPr marL="177800" lvl="0" indent="-171450" algn="l" rtl="0">
+              <a:spcBef>
+                <a:spcPts val="0"/>
+              </a:spcBef>
+              <a:spcAft>
+                <a:spcPts val="0"/>
+              </a:spcAft>
+              <a:buClr>
+                <a:schemeClr val="lt1"/>
+              </a:buClr>
+              <a:buSzPts val="2100"/>
+              <a:buFont typeface="Nunito"/>
+              <a:buChar char="•"/>
             </a:pPr>
             <a:r>
-              <a:rPr lang="en-US" sz="2000" dirty="0"/>
-              <a:t>3. Daniel Wilco (2023). The absurd odds of a perfect NCAA bracket. </a:t>
-            </a:r>
-            <a:r>
-              <a:rPr lang="en-US" sz="2000" dirty="0">
-                <a:hlinkClick r:id="rId4"/>
+              <a:rPr lang="en-US" dirty="0">
+                <a:solidFill>
+                  <a:schemeClr val="lt1"/>
+                </a:solidFill>
+                <a:latin typeface="Nunito"/>
+                <a:ea typeface="Nunito"/>
+                <a:cs typeface="Nunito"/>
+                <a:sym typeface="Nunito"/>
               </a:rPr>
-              <a:t>https://</a:t>
-            </a:r>
-            <a:r>
-              <a:rPr lang="en-US" sz="2000" dirty="0" err="1">
-                <a:hlinkClick r:id="rId4"/>
+              <a:t>.</a:t>
+            </a:r>
+          </a:p>
+          <a:p>
+            <a:pPr marL="177800" lvl="0" indent="-171450" algn="l" rtl="0">
+              <a:spcBef>
+                <a:spcPts val="0"/>
+              </a:spcBef>
+              <a:spcAft>
+                <a:spcPts val="0"/>
+              </a:spcAft>
+              <a:buSzPts val="2100"/>
+              <a:buFont typeface="Nunito"/>
+              <a:buChar char="•"/>
+            </a:pPr>
+            <a:r>
+              <a:rPr lang="en-US" dirty="0">
+                <a:latin typeface="Nunito"/>
+                <a:ea typeface="Nunito"/>
+                <a:cs typeface="Nunito"/>
+                <a:sym typeface="Nunito"/>
               </a:rPr>
-              <a:t>www.ncaa.com</a:t>
-            </a:r>
-            <a:r>
-              <a:rPr lang="en-US" sz="2000" dirty="0">
-                <a:hlinkClick r:id="rId4"/>
+              <a:t>This type of </a:t>
+            </a:r>
+            <a:r>
+              <a:rPr lang="en-US" b="1" dirty="0">
+                <a:latin typeface="Nunito"/>
+                <a:ea typeface="Nunito"/>
+                <a:cs typeface="Nunito"/>
+                <a:sym typeface="Nunito"/>
               </a:rPr>
-              <a:t>/news/basketball-men/</a:t>
-            </a:r>
-            <a:r>
-              <a:rPr lang="en-US" sz="2000" dirty="0" err="1">
-                <a:hlinkClick r:id="rId4"/>
+              <a:t>unpredictability</a:t>
+            </a:r>
+            <a:r>
+              <a:rPr lang="en-US" dirty="0">
+                <a:latin typeface="Nunito"/>
+                <a:ea typeface="Nunito"/>
+                <a:cs typeface="Nunito"/>
+                <a:sym typeface="Nunito"/>
               </a:rPr>
-              <a:t>bracketiq</a:t>
-            </a:r>
-            <a:r>
-              <a:rPr lang="en-US" sz="2000" dirty="0">
-                <a:hlinkClick r:id="rId4"/>
-              </a:rPr>
-              <a:t>/2023-03-16/perfect-</a:t>
-            </a:r>
-            <a:r>
-              <a:rPr lang="en-US" sz="2000" dirty="0" err="1">
-                <a:hlinkClick r:id="rId4"/>
-              </a:rPr>
-              <a:t>ncaa</a:t>
-            </a:r>
-            <a:r>
-              <a:rPr lang="en-US" sz="2000" dirty="0">
-                <a:hlinkClick r:id="rId4"/>
-              </a:rPr>
-              <a:t>-bracket-absurd-odds-march-madness-dream</a:t>
-            </a:r>
-            <a:r>
-              <a:rPr lang="en-US" sz="2000" dirty="0"/>
-              <a:t> accessed: 18 March 2023.</a:t>
-            </a:r>
-          </a:p>
-          <a:p>
-            <a:pPr marL="0" indent="0">
-              <a:buNone/>
-            </a:pPr>
-            <a:r>
-              <a:rPr lang="en-US" sz="2000" dirty="0"/>
-              <a:t>4. Brian </a:t>
-            </a:r>
-            <a:r>
-              <a:rPr lang="en-US" sz="2000" dirty="0" err="1"/>
-              <a:t>Budzynski</a:t>
-            </a:r>
-            <a:r>
-              <a:rPr lang="en-US" sz="2000" dirty="0"/>
-              <a:t> (2022). Who picked the best March Madness bracket of all time? </a:t>
-            </a:r>
-            <a:r>
-              <a:rPr lang="en-US" sz="2000" dirty="0">
-                <a:hlinkClick r:id="rId5"/>
-              </a:rPr>
-              <a:t>https://www.wavy.com/sports/ncaa-bastketball/who-picked-the-best-march-madness-bracket-of-all-time/</a:t>
-            </a:r>
-            <a:r>
-              <a:rPr lang="en-US" sz="2000" dirty="0"/>
-              <a:t> accessed: 18 March 2023.</a:t>
-            </a:r>
-          </a:p>
-          <a:p>
-            <a:pPr marL="0" indent="0">
-              <a:buNone/>
-            </a:pPr>
-            <a:r>
-              <a:rPr lang="en-US" sz="2000" dirty="0"/>
-              <a:t>5. Jeff </a:t>
-            </a:r>
-            <a:r>
-              <a:rPr lang="en-US" sz="2000" dirty="0" err="1"/>
-              <a:t>Sonas</a:t>
-            </a:r>
-            <a:r>
-              <a:rPr lang="en-US" sz="2000" dirty="0"/>
-              <a:t>, Last-Place Larry, Maggie, and Will </a:t>
-            </a:r>
-            <a:r>
-              <a:rPr lang="en-US" sz="2000" dirty="0" err="1"/>
-              <a:t>Cukierski</a:t>
-            </a:r>
-            <a:r>
-              <a:rPr lang="en-US" sz="2000" dirty="0"/>
-              <a:t> (2023). March Machine Learning Mania 2023. Kaggle. </a:t>
-            </a:r>
-            <a:r>
-              <a:rPr lang="en-US" sz="2000" dirty="0">
-                <a:hlinkClick r:id="rId6"/>
-              </a:rPr>
-              <a:t>https://kaggle.com/competitions/march-machine-learning-mania-2023</a:t>
-            </a:r>
-            <a:r>
-              <a:rPr lang="en-US" sz="2000" dirty="0"/>
-              <a:t> accessed: 18 March 2023.</a:t>
-            </a:r>
+              <a:t> is the ‘madness’ of March Madness.</a:t>
+            </a:r>
+            <a:endParaRPr lang="en-US" dirty="0"/>
           </a:p>
         </p:txBody>
       </p:sp>
@@ -17622,7 +17375,7 @@
     </p:spTree>
     <p:extLst>
       <p:ext uri="{BB962C8B-B14F-4D97-AF65-F5344CB8AC3E}">
-        <p14:creationId xmlns:p14="http://schemas.microsoft.com/office/powerpoint/2010/main" val="2215463546"/>
+        <p14:creationId xmlns:p14="http://schemas.microsoft.com/office/powerpoint/2010/main" val="2615861621"/>
       </p:ext>
     </p:extLst>
   </p:cSld>
@@ -17704,9 +17457,12 @@
           <a:p>
             <a:r>
               <a:rPr lang="en-US" dirty="0"/>
-              <a:t>References</a:t>
-            </a:r>
-            <a:endParaRPr lang="en-US" b="0" dirty="0"/>
+              <a:t>Conclusions</a:t>
+            </a:r>
+            <a:r>
+              <a:rPr lang="en-US" b="0" dirty="0"/>
+              <a:t> – Communication (and Deployment)</a:t>
+            </a:r>
           </a:p>
         </p:txBody>
       </p:sp>
@@ -17729,286 +17485,272 @@
         <p:spPr>
           <a:xfrm>
             <a:off x="841248" y="1207008"/>
-            <a:ext cx="10910485" cy="4969565"/>
+            <a:ext cx="10526663" cy="4969565"/>
           </a:xfrm>
         </p:spPr>
         <p:txBody>
-          <a:bodyPr>
-            <a:normAutofit/>
-          </a:bodyPr>
+          <a:bodyPr/>
           <a:lstStyle/>
           <a:p>
-            <a:pPr marL="50800" lvl="0" indent="0" algn="l" rtl="0">
-              <a:lnSpc>
-                <a:spcPct val="100000"/>
-              </a:lnSpc>
+            <a:pPr marL="177800" lvl="0" indent="-171450" algn="l" rtl="0">
               <a:spcBef>
-                <a:spcPts val="800"/>
+                <a:spcPts val="0"/>
               </a:spcBef>
               <a:spcAft>
                 <a:spcPts val="0"/>
               </a:spcAft>
-              <a:buSzPts val="1400"/>
-              <a:buNone/>
+              <a:buSzPts val="2100"/>
+              <a:buFont typeface="Nunito"/>
+              <a:buChar char="•"/>
             </a:pPr>
             <a:r>
-              <a:rPr lang="en-US" sz="2000" dirty="0">
+              <a:rPr lang="en-US" dirty="0">
                 <a:latin typeface="Nunito"/>
                 <a:ea typeface="Nunito"/>
                 <a:cs typeface="Nunito"/>
                 <a:sym typeface="Nunito"/>
               </a:rPr>
-              <a:t>6. Chris Wright (2012). Statistical Predictors of March Madness: An Examination of the NCAA Men’s’ Basketball Championship. Thesis for Pomona College Economics Department. </a:t>
-            </a:r>
-          </a:p>
-          <a:p>
-            <a:pPr marL="50800" lvl="0" indent="0" algn="l" rtl="0">
-              <a:lnSpc>
-                <a:spcPct val="100000"/>
-              </a:lnSpc>
-              <a:spcBef>
-                <a:spcPts val="800"/>
-              </a:spcBef>
-              <a:spcAft>
-                <a:spcPts val="0"/>
-              </a:spcAft>
-              <a:buSzPts val="1400"/>
-              <a:buNone/>
-            </a:pPr>
-            <a:r>
-              <a:rPr lang="en-US" sz="2000" dirty="0">
+              <a:t>This project was </a:t>
+            </a:r>
+            <a:r>
+              <a:rPr lang="en-US" b="1" dirty="0">
                 <a:latin typeface="Nunito"/>
                 <a:ea typeface="Nunito"/>
                 <a:cs typeface="Nunito"/>
                 <a:sym typeface="Nunito"/>
               </a:rPr>
-              <a:t>7. Alex Tran and Adam </a:t>
-            </a:r>
-            <a:r>
-              <a:rPr lang="en-US" sz="2000" dirty="0" err="1">
+              <a:t>fun</a:t>
+            </a:r>
+            <a:r>
+              <a:rPr lang="en-US" dirty="0">
                 <a:latin typeface="Nunito"/>
                 <a:ea typeface="Nunito"/>
                 <a:cs typeface="Nunito"/>
                 <a:sym typeface="Nunito"/>
               </a:rPr>
-              <a:t>Ginzberg</a:t>
-            </a:r>
-            <a:r>
-              <a:rPr lang="en-US" sz="2000" dirty="0">
+              <a:t>, but </a:t>
+            </a:r>
+            <a:r>
+              <a:rPr lang="en-US" b="1" dirty="0">
                 <a:latin typeface="Nunito"/>
                 <a:ea typeface="Nunito"/>
                 <a:cs typeface="Nunito"/>
                 <a:sym typeface="Nunito"/>
               </a:rPr>
-              <a:t> (2014). Making Sense of the Mayhem: Machine Learning and March Madness. Stanford CS229 Final Project paper December 2014.</a:t>
-            </a:r>
-          </a:p>
-          <a:p>
-            <a:pPr marL="50800" lvl="0" indent="0" algn="l" rtl="0">
-              <a:lnSpc>
-                <a:spcPct val="100000"/>
-              </a:lnSpc>
-              <a:spcBef>
-                <a:spcPts val="800"/>
-              </a:spcBef>
-              <a:spcAft>
-                <a:spcPts val="0"/>
-              </a:spcAft>
-              <a:buSzPts val="1400"/>
-              <a:buNone/>
-            </a:pPr>
-            <a:r>
-              <a:rPr lang="en-US" sz="2000" dirty="0">
+              <a:t>very challenging</a:t>
+            </a:r>
+            <a:r>
+              <a:rPr lang="en-US" dirty="0">
                 <a:latin typeface="Nunito"/>
                 <a:ea typeface="Nunito"/>
                 <a:cs typeface="Nunito"/>
                 <a:sym typeface="Nunito"/>
               </a:rPr>
-              <a:t>8. Levi Franklin (2014). Predicting March Madness: Winning the Office Pool. Stanford CS229 Final Project paper December 2014.</a:t>
-            </a:r>
-          </a:p>
-          <a:p>
-            <a:pPr marL="50800" lvl="0" indent="0" algn="l" rtl="0">
-              <a:lnSpc>
-                <a:spcPct val="100000"/>
-              </a:lnSpc>
+              <a:t>. Trying to accurately predict outcomes that show so much unpredictability proved to be very difficult.</a:t>
+            </a:r>
+          </a:p>
+          <a:p>
+            <a:pPr marL="177800" lvl="0" indent="-171450" algn="l" rtl="0">
               <a:spcBef>
-                <a:spcPts val="800"/>
+                <a:spcPts val="0"/>
               </a:spcBef>
               <a:spcAft>
                 <a:spcPts val="0"/>
               </a:spcAft>
-              <a:buSzPts val="1400"/>
-              <a:buNone/>
+              <a:buClr>
+                <a:schemeClr val="lt1"/>
+              </a:buClr>
+              <a:buSzPts val="2100"/>
+              <a:buFont typeface="Nunito"/>
+              <a:buChar char="•"/>
             </a:pPr>
             <a:r>
-              <a:rPr lang="en-US" sz="2000" dirty="0">
+              <a:rPr lang="en-US" dirty="0">
+                <a:solidFill>
+                  <a:schemeClr val="lt1"/>
+                </a:solidFill>
                 <a:latin typeface="Nunito"/>
                 <a:ea typeface="Nunito"/>
                 <a:cs typeface="Nunito"/>
                 <a:sym typeface="Nunito"/>
               </a:rPr>
-              <a:t>9. Cody Kocher and Tim </a:t>
-            </a:r>
-            <a:r>
-              <a:rPr lang="en-US" sz="2000" dirty="0" err="1">
+              <a:t>.</a:t>
+            </a:r>
+          </a:p>
+          <a:p>
+            <a:pPr marL="177800" lvl="0" indent="-171450" algn="l" rtl="0">
+              <a:spcBef>
+                <a:spcPts val="0"/>
+              </a:spcBef>
+              <a:spcAft>
+                <a:spcPts val="0"/>
+              </a:spcAft>
+              <a:buSzPts val="2100"/>
+              <a:buFont typeface="Nunito"/>
+              <a:buChar char="•"/>
+            </a:pPr>
+            <a:r>
+              <a:rPr lang="en-US" dirty="0">
                 <a:latin typeface="Nunito"/>
                 <a:ea typeface="Nunito"/>
                 <a:cs typeface="Nunito"/>
                 <a:sym typeface="Nunito"/>
               </a:rPr>
-              <a:t>Hoblin</a:t>
-            </a:r>
-            <a:r>
-              <a:rPr lang="en-US" sz="2000" dirty="0">
+              <a:t>One learning point from this project was that we should have </a:t>
+            </a:r>
+            <a:r>
+              <a:rPr lang="en-US" b="1" dirty="0">
                 <a:latin typeface="Nunito"/>
                 <a:ea typeface="Nunito"/>
                 <a:cs typeface="Nunito"/>
                 <a:sym typeface="Nunito"/>
               </a:rPr>
-              <a:t> (2018). Predictive Model for the NCAA Men’s Basketball Tournament. Ball State Undergraduate Mathematics Exchange vol 12(1) 15-23.</a:t>
-            </a:r>
-          </a:p>
-          <a:p>
-            <a:pPr marL="50800" lvl="0" indent="0" algn="l" rtl="0">
-              <a:lnSpc>
-                <a:spcPct val="100000"/>
-              </a:lnSpc>
+              <a:t>provisioned our time at the onset</a:t>
+            </a:r>
+            <a:r>
+              <a:rPr lang="en-US" dirty="0">
+                <a:latin typeface="Nunito"/>
+                <a:ea typeface="Nunito"/>
+                <a:cs typeface="Nunito"/>
+                <a:sym typeface="Nunito"/>
+              </a:rPr>
+              <a:t> (to allow sufficient time for model and hyperparameter tuning).</a:t>
+            </a:r>
+            <a:r>
+              <a:rPr lang="en-US" dirty="0">
+                <a:solidFill>
+                  <a:schemeClr val="lt1"/>
+                </a:solidFill>
+                <a:latin typeface="Nunito"/>
+                <a:ea typeface="Nunito"/>
+                <a:cs typeface="Nunito"/>
+                <a:sym typeface="Nunito"/>
+              </a:rPr>
+              <a:t>.</a:t>
+            </a:r>
+          </a:p>
+          <a:p>
+            <a:pPr marL="177800" lvl="0" indent="-171450" algn="l" rtl="0">
               <a:spcBef>
-                <a:spcPts val="800"/>
+                <a:spcPts val="0"/>
               </a:spcBef>
               <a:spcAft>
                 <a:spcPts val="0"/>
               </a:spcAft>
-              <a:buSzPts val="1400"/>
-              <a:buNone/>
+              <a:buClr>
+                <a:schemeClr val="lt1"/>
+              </a:buClr>
+              <a:buSzPts val="2100"/>
+              <a:buFont typeface="Nunito"/>
+              <a:buChar char="•"/>
             </a:pPr>
             <a:r>
-              <a:rPr lang="en-US" sz="1800" b="0" i="0" u="none" strike="noStrike" dirty="0">
+              <a:rPr lang="en-US" dirty="0">
                 <a:solidFill>
-                  <a:srgbClr val="44546A"/>
+                  <a:schemeClr val="lt1"/>
                 </a:solidFill>
-                <a:effectLst/>
-                <a:latin typeface="Nunito" pitchFamily="2" charset="77"/>
+                <a:latin typeface="Nunito"/>
+                <a:ea typeface="Nunito"/>
+                <a:cs typeface="Nunito"/>
+                <a:sym typeface="Nunito"/>
               </a:rPr>
-              <a:t>10. Zhang, </a:t>
-            </a:r>
-            <a:r>
-              <a:rPr lang="en-US" sz="1800" b="0" i="0" u="none" strike="noStrike" dirty="0" err="1">
-                <a:solidFill>
-                  <a:srgbClr val="44546A"/>
-                </a:solidFill>
-                <a:effectLst/>
-                <a:latin typeface="Nunito" pitchFamily="2" charset="77"/>
+              <a:t>.</a:t>
+            </a:r>
+          </a:p>
+          <a:p>
+            <a:pPr marL="177800" lvl="0" indent="-171450" algn="l" rtl="0">
+              <a:spcBef>
+                <a:spcPts val="0"/>
+              </a:spcBef>
+              <a:spcAft>
+                <a:spcPts val="0"/>
+              </a:spcAft>
+              <a:buSzPts val="2100"/>
+              <a:buFont typeface="Nunito"/>
+              <a:buChar char="•"/>
+            </a:pPr>
+            <a:r>
+              <a:rPr lang="en-US" dirty="0">
+                <a:latin typeface="Nunito"/>
+                <a:ea typeface="Nunito"/>
+                <a:cs typeface="Nunito"/>
+                <a:sym typeface="Nunito"/>
               </a:rPr>
-              <a:t>Yudong</a:t>
-            </a:r>
-            <a:r>
-              <a:rPr lang="en-US" sz="1800" b="0" i="0" u="none" strike="noStrike" dirty="0">
-                <a:solidFill>
-                  <a:srgbClr val="44546A"/>
-                </a:solidFill>
-                <a:effectLst/>
-                <a:latin typeface="Nunito" pitchFamily="2" charset="77"/>
+              <a:t>Another learning point, feature engineering is very important. It would have been better to establish ‘</a:t>
+            </a:r>
+            <a:r>
+              <a:rPr lang="en-US" b="1" dirty="0">
+                <a:latin typeface="Nunito"/>
+                <a:ea typeface="Nunito"/>
+                <a:cs typeface="Nunito"/>
+                <a:sym typeface="Nunito"/>
               </a:rPr>
-              <a:t> &amp; Wang, </a:t>
-            </a:r>
-            <a:r>
-              <a:rPr lang="en-US" sz="1800" b="0" i="0" u="none" strike="noStrike" dirty="0" err="1">
-                <a:solidFill>
-                  <a:srgbClr val="44546A"/>
-                </a:solidFill>
-                <a:effectLst/>
-                <a:latin typeface="Nunito" pitchFamily="2" charset="77"/>
+              <a:t>hot team</a:t>
+            </a:r>
+            <a:r>
+              <a:rPr lang="en-US" dirty="0">
+                <a:latin typeface="Nunito"/>
+                <a:ea typeface="Nunito"/>
+                <a:cs typeface="Nunito"/>
+                <a:sym typeface="Nunito"/>
               </a:rPr>
-              <a:t>Shuihua</a:t>
-            </a:r>
-            <a:r>
-              <a:rPr lang="en-US" sz="1800" b="0" i="0" u="none" strike="noStrike" dirty="0">
-                <a:solidFill>
-                  <a:srgbClr val="44546A"/>
-                </a:solidFill>
-                <a:effectLst/>
-                <a:latin typeface="Nunito" pitchFamily="2" charset="77"/>
+              <a:t>’ and </a:t>
+            </a:r>
+            <a:r>
+              <a:rPr lang="en-US">
+                <a:latin typeface="Nunito"/>
+                <a:ea typeface="Nunito"/>
+                <a:cs typeface="Nunito"/>
+                <a:sym typeface="Nunito"/>
               </a:rPr>
-              <a:t> &amp; ji, </a:t>
-            </a:r>
-            <a:r>
-              <a:rPr lang="en-US" sz="1800" b="0" i="0" u="none" strike="noStrike" dirty="0" err="1">
-                <a:solidFill>
-                  <a:srgbClr val="44546A"/>
-                </a:solidFill>
-                <a:effectLst/>
-                <a:latin typeface="Nunito" pitchFamily="2" charset="77"/>
+              <a:t>‘</a:t>
+            </a:r>
+            <a:r>
+              <a:rPr lang="en-US" b="1">
+                <a:latin typeface="Nunito"/>
+                <a:ea typeface="Nunito"/>
+                <a:cs typeface="Nunito"/>
+                <a:sym typeface="Nunito"/>
               </a:rPr>
-              <a:t>Genlin</a:t>
-            </a:r>
-            <a:r>
-              <a:rPr lang="en-US" sz="1800" b="0" i="0" u="none" strike="noStrike" dirty="0">
-                <a:solidFill>
-                  <a:srgbClr val="44546A"/>
-                </a:solidFill>
-                <a:effectLst/>
-                <a:latin typeface="Nunito" pitchFamily="2" charset="77"/>
+              <a:t>tired </a:t>
+            </a:r>
+            <a:r>
+              <a:rPr lang="en-US" b="1" dirty="0">
+                <a:latin typeface="Nunito"/>
+                <a:ea typeface="Nunito"/>
+                <a:cs typeface="Nunito"/>
+                <a:sym typeface="Nunito"/>
               </a:rPr>
-              <a:t>. (2013). A Rule-Based Model for Bankruptcy Prediction Based on an Improved Genetic Ant Colony Algorithm. Mathematical Problems in Engineering. 2013. </a:t>
-            </a:r>
-            <a:r>
-              <a:rPr lang="en-US" sz="1800" b="0" i="0" u="none" strike="noStrike" dirty="0">
-                <a:solidFill>
-                  <a:srgbClr val="44546A"/>
-                </a:solidFill>
-                <a:effectLst/>
-                <a:latin typeface="Nunito" pitchFamily="2" charset="77"/>
-                <a:hlinkClick r:id="rId2"/>
+              <a:t>team</a:t>
+            </a:r>
+            <a:r>
+              <a:rPr lang="en-US" dirty="0">
+                <a:latin typeface="Nunito"/>
+                <a:ea typeface="Nunito"/>
+                <a:cs typeface="Nunito"/>
+                <a:sym typeface="Nunito"/>
               </a:rPr>
-              <a:t>https://</a:t>
-            </a:r>
-            <a:r>
-              <a:rPr lang="en-US" sz="1800" b="0" i="0" u="none" strike="noStrike" dirty="0" err="1">
-                <a:solidFill>
-                  <a:srgbClr val="44546A"/>
-                </a:solidFill>
-                <a:effectLst/>
-                <a:latin typeface="Nunito" pitchFamily="2" charset="77"/>
-                <a:hlinkClick r:id="rId2"/>
+              <a:t>’ features - for streaking teams; </a:t>
+            </a:r>
+            <a:r>
+              <a:rPr lang="en-US" b="1" dirty="0">
+                <a:latin typeface="Nunito"/>
+                <a:ea typeface="Nunito"/>
+                <a:cs typeface="Nunito"/>
+                <a:sym typeface="Nunito"/>
               </a:rPr>
-              <a:t>www.hindawi.com</a:t>
-            </a:r>
-            <a:r>
-              <a:rPr lang="en-US" sz="1800" b="0" i="0" u="none" strike="noStrike" dirty="0">
-                <a:solidFill>
-                  <a:srgbClr val="44546A"/>
-                </a:solidFill>
-                <a:effectLst/>
-                <a:latin typeface="Nunito" pitchFamily="2" charset="77"/>
-                <a:hlinkClick r:id="rId2"/>
+              <a:t>bring in time-series</a:t>
+            </a:r>
+            <a:r>
+              <a:rPr lang="en-US" dirty="0">
+                <a:latin typeface="Nunito"/>
+                <a:ea typeface="Nunito"/>
+                <a:cs typeface="Nunito"/>
+                <a:sym typeface="Nunito"/>
               </a:rPr>
-              <a:t>/journals/</a:t>
-            </a:r>
-            <a:r>
-              <a:rPr lang="en-US" sz="1800" b="0" i="0" u="none" strike="noStrike" dirty="0" err="1">
-                <a:solidFill>
-                  <a:srgbClr val="44546A"/>
-                </a:solidFill>
-                <a:effectLst/>
-                <a:latin typeface="Nunito" pitchFamily="2" charset="77"/>
-                <a:hlinkClick r:id="rId2"/>
-              </a:rPr>
-              <a:t>mpe</a:t>
-            </a:r>
-            <a:r>
-              <a:rPr lang="en-US" sz="1800" b="0" i="0" u="none" strike="noStrike" dirty="0">
-                <a:solidFill>
-                  <a:srgbClr val="44546A"/>
-                </a:solidFill>
-                <a:effectLst/>
-                <a:latin typeface="Nunito" pitchFamily="2" charset="77"/>
-                <a:hlinkClick r:id="rId2"/>
-              </a:rPr>
-              <a:t>/2013/753251/</a:t>
-            </a:r>
-            <a:endParaRPr lang="en-US" sz="2000" dirty="0"/>
+              <a:t>.</a:t>
+            </a:r>
+            <a:endParaRPr lang="en-US" dirty="0"/>
           </a:p>
         </p:txBody>
       </p:sp>
@@ -18062,7 +17804,7 @@
     </p:spTree>
     <p:extLst>
       <p:ext uri="{BB962C8B-B14F-4D97-AF65-F5344CB8AC3E}">
-        <p14:creationId xmlns:p14="http://schemas.microsoft.com/office/powerpoint/2010/main" val="2331333636"/>
+        <p14:creationId xmlns:p14="http://schemas.microsoft.com/office/powerpoint/2010/main" val="318097353"/>
       </p:ext>
     </p:extLst>
   </p:cSld>
@@ -18091,10 +17833,10 @@
       </p:grpSpPr>
       <p:sp>
         <p:nvSpPr>
-          <p:cNvPr id="2" name="Title 1">
+          <p:cNvPr id="2" name="Text Placeholder 1">
             <a:extLst>
               <a:ext uri="{FF2B5EF4-FFF2-40B4-BE49-F238E27FC236}">
-                <a16:creationId xmlns:a16="http://schemas.microsoft.com/office/drawing/2014/main" id="{91556312-D863-0258-95A6-3C3D9EFE4F0C}"/>
+                <a16:creationId xmlns:a16="http://schemas.microsoft.com/office/drawing/2014/main" id="{DEDB9BE8-C609-A873-CBBC-0CA104AA9588}"/>
               </a:ext>
             </a:extLst>
           </p:cNvPr>
@@ -18102,47 +17844,1038 @@
             <a:spLocks noGrp="1"/>
           </p:cNvSpPr>
           <p:nvPr>
-            <p:ph type="ctrTitle"/>
+            <p:ph type="body" sz="quarter" idx="13"/>
+          </p:nvPr>
+        </p:nvSpPr>
+        <p:spPr/>
+        <p:txBody>
+          <a:bodyPr/>
+          <a:lstStyle/>
+          <a:p>
+            <a:endParaRPr lang="en-US"/>
+          </a:p>
+        </p:txBody>
+      </p:sp>
+      <p:sp>
+        <p:nvSpPr>
+          <p:cNvPr id="3" name="Title 2">
+            <a:extLst>
+              <a:ext uri="{FF2B5EF4-FFF2-40B4-BE49-F238E27FC236}">
+                <a16:creationId xmlns:a16="http://schemas.microsoft.com/office/drawing/2014/main" id="{18AA4D6E-70D3-8C8F-AF9E-00FC624637F9}"/>
+              </a:ext>
+            </a:extLst>
+          </p:cNvPr>
+          <p:cNvSpPr>
+            <a:spLocks noGrp="1"/>
+          </p:cNvSpPr>
+          <p:nvPr>
+            <p:ph type="title"/>
           </p:nvPr>
         </p:nvSpPr>
         <p:spPr>
           <a:xfrm>
-            <a:off x="578426" y="2356506"/>
-            <a:ext cx="11035147" cy="2144988"/>
+            <a:off x="841248" y="365760"/>
+            <a:ext cx="11161644" cy="767936"/>
           </a:xfrm>
         </p:spPr>
         <p:txBody>
-          <a:bodyPr anchor="ctr">
+          <a:bodyPr>
             <a:normAutofit/>
           </a:bodyPr>
           <a:lstStyle/>
           <a:p>
             <a:r>
-              <a:rPr lang="en-US" sz="4400" b="1" dirty="0">
+              <a:rPr lang="en-US" dirty="0"/>
+              <a:t>Conclusions</a:t>
+            </a:r>
+            <a:r>
+              <a:rPr lang="en-US" b="0" dirty="0"/>
+              <a:t> – Communication (and Deployment)</a:t>
+            </a:r>
+          </a:p>
+        </p:txBody>
+      </p:sp>
+      <p:sp>
+        <p:nvSpPr>
+          <p:cNvPr id="4" name="Content Placeholder 3">
+            <a:extLst>
+              <a:ext uri="{FF2B5EF4-FFF2-40B4-BE49-F238E27FC236}">
+                <a16:creationId xmlns:a16="http://schemas.microsoft.com/office/drawing/2014/main" id="{4391D70F-9C2B-F376-3A6F-BE5CA85CF1FC}"/>
+              </a:ext>
+            </a:extLst>
+          </p:cNvPr>
+          <p:cNvSpPr>
+            <a:spLocks noGrp="1"/>
+          </p:cNvSpPr>
+          <p:nvPr>
+            <p:ph idx="1"/>
+          </p:nvPr>
+        </p:nvSpPr>
+        <p:spPr>
+          <a:xfrm>
+            <a:off x="841248" y="1207008"/>
+            <a:ext cx="10526663" cy="4969565"/>
+          </a:xfrm>
+        </p:spPr>
+        <p:txBody>
+          <a:bodyPr/>
+          <a:lstStyle/>
+          <a:p>
+            <a:pPr marL="177800" lvl="0" indent="-171450" algn="l" rtl="0">
+              <a:spcBef>
+                <a:spcPts val="0"/>
+              </a:spcBef>
+              <a:spcAft>
+                <a:spcPts val="0"/>
+              </a:spcAft>
+              <a:buSzPts val="2100"/>
+              <a:buFont typeface="Nunito"/>
+              <a:buChar char="•"/>
+            </a:pPr>
+            <a:r>
+              <a:rPr lang="en-US" dirty="0">
+                <a:latin typeface="Nunito"/>
+                <a:ea typeface="Nunito"/>
+                <a:cs typeface="Nunito"/>
+                <a:sym typeface="Nunito"/>
+              </a:rPr>
+              <a:t>I think using a </a:t>
+            </a:r>
+            <a:r>
+              <a:rPr lang="en-US" b="1" dirty="0">
+                <a:latin typeface="Nunito"/>
+                <a:ea typeface="Nunito"/>
+                <a:cs typeface="Nunito"/>
+                <a:sym typeface="Nunito"/>
+              </a:rPr>
+              <a:t>convoluted neural network model</a:t>
+            </a:r>
+            <a:r>
+              <a:rPr lang="en-US" dirty="0">
+                <a:latin typeface="Nunito"/>
+                <a:ea typeface="Nunito"/>
+                <a:cs typeface="Nunito"/>
+                <a:sym typeface="Nunito"/>
+              </a:rPr>
+              <a:t> with transfer learning from regular season data might be a better approach.</a:t>
+            </a:r>
+          </a:p>
+          <a:p>
+            <a:pPr marL="177800" lvl="0" indent="-171450" algn="l" rtl="0">
+              <a:spcBef>
+                <a:spcPts val="0"/>
+              </a:spcBef>
+              <a:spcAft>
+                <a:spcPts val="0"/>
+              </a:spcAft>
+              <a:buClr>
+                <a:schemeClr val="lt1"/>
+              </a:buClr>
+              <a:buSzPts val="2100"/>
+              <a:buFont typeface="Nunito"/>
+              <a:buChar char="•"/>
+            </a:pPr>
+            <a:r>
+              <a:rPr lang="en-US" dirty="0">
+                <a:solidFill>
+                  <a:schemeClr val="lt1"/>
+                </a:solidFill>
+                <a:latin typeface="Nunito"/>
+                <a:ea typeface="Nunito"/>
+                <a:cs typeface="Nunito"/>
+                <a:sym typeface="Nunito"/>
+              </a:rPr>
+              <a:t>.</a:t>
+            </a:r>
+          </a:p>
+          <a:p>
+            <a:pPr marL="177800" lvl="0" indent="-171450" algn="l" rtl="0">
+              <a:spcBef>
+                <a:spcPts val="0"/>
+              </a:spcBef>
+              <a:spcAft>
+                <a:spcPts val="0"/>
+              </a:spcAft>
+              <a:buSzPts val="2100"/>
+              <a:buFont typeface="Nunito"/>
+              <a:buChar char="•"/>
+            </a:pPr>
+            <a:r>
+              <a:rPr lang="en-US" dirty="0">
+                <a:latin typeface="Nunito"/>
+                <a:ea typeface="Nunito"/>
+                <a:cs typeface="Nunito"/>
+                <a:sym typeface="Nunito"/>
+              </a:rPr>
+              <a:t>The </a:t>
+            </a:r>
+            <a:r>
+              <a:rPr lang="en-US" b="1" dirty="0">
+                <a:latin typeface="Nunito"/>
+                <a:ea typeface="Nunito"/>
+                <a:cs typeface="Nunito"/>
+                <a:sym typeface="Nunito"/>
+              </a:rPr>
+              <a:t>brier score</a:t>
+            </a:r>
+            <a:r>
+              <a:rPr lang="en-US" dirty="0">
+                <a:latin typeface="Nunito"/>
+                <a:ea typeface="Nunito"/>
+                <a:cs typeface="Nunito"/>
+                <a:sym typeface="Nunito"/>
+              </a:rPr>
+              <a:t> metric was new for us, fully understanding this metric and using this metric to optimize model may also prove to be a smarter tactic.</a:t>
+            </a:r>
+            <a:endParaRPr lang="en-US" dirty="0"/>
+          </a:p>
+        </p:txBody>
+      </p:sp>
+      <p:sp>
+        <p:nvSpPr>
+          <p:cNvPr id="5" name="Slide Number Placeholder 5">
+            <a:extLst>
+              <a:ext uri="{FF2B5EF4-FFF2-40B4-BE49-F238E27FC236}">
+                <a16:creationId xmlns:a16="http://schemas.microsoft.com/office/drawing/2014/main" id="{8E0510B8-2E78-20E7-4DBB-06CABF68D68D}"/>
+              </a:ext>
+            </a:extLst>
+          </p:cNvPr>
+          <p:cNvSpPr>
+            <a:spLocks noGrp="1"/>
+          </p:cNvSpPr>
+          <p:nvPr>
+            <p:ph type="sldNum" sz="quarter" idx="12"/>
+          </p:nvPr>
+        </p:nvSpPr>
+        <p:spPr>
+          <a:xfrm>
+            <a:off x="8610600" y="6356350"/>
+            <a:ext cx="3028122" cy="365125"/>
+          </a:xfrm>
+          <a:prstGeom prst="rect">
+            <a:avLst/>
+          </a:prstGeom>
+        </p:spPr>
+        <p:txBody>
+          <a:bodyPr anchor="ctr"/>
+          <a:lstStyle>
+            <a:lvl1pPr algn="r">
+              <a:defRPr sz="1000">
                 <a:solidFill>
                   <a:schemeClr val="tx2"/>
                 </a:solidFill>
-                <a:latin typeface="SF Compact Rounded Heavy" pitchFamily="2" charset="77"/>
-                <a:ea typeface="SF Pro Display" pitchFamily="2" charset="0"/>
-                <a:cs typeface="Nirmala Text" panose="020B0604020202020204" pitchFamily="34" charset="0"/>
-              </a:rPr>
-              <a:t>Questions?</a:t>
-            </a:r>
-            <a:endParaRPr lang="en-US" sz="2400" b="1" dirty="0">
-              <a:solidFill>
-                <a:schemeClr val="tx2"/>
-              </a:solidFill>
-              <a:latin typeface="SF Compact Rounded Heavy" pitchFamily="2" charset="77"/>
-              <a:ea typeface="SF Pro Display" pitchFamily="2" charset="0"/>
-              <a:cs typeface="Nirmala Text" panose="020B0604020202020204" pitchFamily="34" charset="0"/>
-            </a:endParaRPr>
+                <a:latin typeface="SF Compact Rounded" pitchFamily="2" charset="77"/>
+              </a:defRPr>
+            </a:lvl1pPr>
+          </a:lstStyle>
+          <a:p>
+            <a:fld id="{1E7E87EC-D468-6B42-A141-7B085F32EA20}" type="slidenum">
+              <a:rPr lang="en-US" smtClean="0"/>
+              <a:pPr/>
+              <a:t>37</a:t>
+            </a:fld>
+            <a:endParaRPr lang="en-US" dirty="0"/>
           </a:p>
         </p:txBody>
       </p:sp>
     </p:spTree>
     <p:extLst>
       <p:ext uri="{BB962C8B-B14F-4D97-AF65-F5344CB8AC3E}">
-        <p14:creationId xmlns:p14="http://schemas.microsoft.com/office/powerpoint/2010/main" val="2314418978"/>
+        <p14:creationId xmlns:p14="http://schemas.microsoft.com/office/powerpoint/2010/main" val="516321824"/>
+      </p:ext>
+    </p:extLst>
+  </p:cSld>
+  <p:clrMapOvr>
+    <a:masterClrMapping/>
+  </p:clrMapOvr>
+</p:sld>
+</file>
+
+<file path=ppt/slides/slide38.xml><?xml version="1.0" encoding="utf-8"?>
+<p:sld xmlns:a="http://schemas.openxmlformats.org/drawingml/2006/main" xmlns:r="http://schemas.openxmlformats.org/officeDocument/2006/relationships" xmlns:p="http://schemas.openxmlformats.org/presentationml/2006/main">
+  <p:cSld>
+    <p:spTree>
+      <p:nvGrpSpPr>
+        <p:cNvPr id="1" name=""/>
+        <p:cNvGrpSpPr/>
+        <p:nvPr/>
+      </p:nvGrpSpPr>
+      <p:grpSpPr>
+        <a:xfrm>
+          <a:off x="0" y="0"/>
+          <a:ext cx="0" cy="0"/>
+          <a:chOff x="0" y="0"/>
+          <a:chExt cx="0" cy="0"/>
+        </a:xfrm>
+      </p:grpSpPr>
+      <p:sp>
+        <p:nvSpPr>
+          <p:cNvPr id="2" name="Text Placeholder 1">
+            <a:extLst>
+              <a:ext uri="{FF2B5EF4-FFF2-40B4-BE49-F238E27FC236}">
+                <a16:creationId xmlns:a16="http://schemas.microsoft.com/office/drawing/2014/main" id="{DEDB9BE8-C609-A873-CBBC-0CA104AA9588}"/>
+              </a:ext>
+            </a:extLst>
+          </p:cNvPr>
+          <p:cNvSpPr>
+            <a:spLocks noGrp="1"/>
+          </p:cNvSpPr>
+          <p:nvPr>
+            <p:ph type="body" sz="quarter" idx="13"/>
+          </p:nvPr>
+        </p:nvSpPr>
+        <p:spPr/>
+        <p:txBody>
+          <a:bodyPr/>
+          <a:lstStyle/>
+          <a:p>
+            <a:endParaRPr lang="en-US"/>
+          </a:p>
+        </p:txBody>
+      </p:sp>
+      <p:sp>
+        <p:nvSpPr>
+          <p:cNvPr id="3" name="Title 2">
+            <a:extLst>
+              <a:ext uri="{FF2B5EF4-FFF2-40B4-BE49-F238E27FC236}">
+                <a16:creationId xmlns:a16="http://schemas.microsoft.com/office/drawing/2014/main" id="{18AA4D6E-70D3-8C8F-AF9E-00FC624637F9}"/>
+              </a:ext>
+            </a:extLst>
+          </p:cNvPr>
+          <p:cNvSpPr>
+            <a:spLocks noGrp="1"/>
+          </p:cNvSpPr>
+          <p:nvPr>
+            <p:ph type="title"/>
+          </p:nvPr>
+        </p:nvSpPr>
+        <p:spPr>
+          <a:xfrm>
+            <a:off x="841248" y="365760"/>
+            <a:ext cx="11161644" cy="767936"/>
+          </a:xfrm>
+        </p:spPr>
+        <p:txBody>
+          <a:bodyPr>
+            <a:normAutofit/>
+          </a:bodyPr>
+          <a:lstStyle/>
+          <a:p>
+            <a:r>
+              <a:rPr lang="en-US" dirty="0"/>
+              <a:t>References</a:t>
+            </a:r>
+            <a:endParaRPr lang="en-US" b="0" dirty="0"/>
+          </a:p>
+        </p:txBody>
+      </p:sp>
+      <p:sp>
+        <p:nvSpPr>
+          <p:cNvPr id="4" name="Content Placeholder 3">
+            <a:extLst>
+              <a:ext uri="{FF2B5EF4-FFF2-40B4-BE49-F238E27FC236}">
+                <a16:creationId xmlns:a16="http://schemas.microsoft.com/office/drawing/2014/main" id="{4391D70F-9C2B-F376-3A6F-BE5CA85CF1FC}"/>
+              </a:ext>
+            </a:extLst>
+          </p:cNvPr>
+          <p:cNvSpPr>
+            <a:spLocks noGrp="1"/>
+          </p:cNvSpPr>
+          <p:nvPr>
+            <p:ph idx="1"/>
+          </p:nvPr>
+        </p:nvSpPr>
+        <p:spPr>
+          <a:xfrm>
+            <a:off x="841248" y="1207008"/>
+            <a:ext cx="10910485" cy="4969565"/>
+          </a:xfrm>
+        </p:spPr>
+        <p:txBody>
+          <a:bodyPr>
+            <a:normAutofit/>
+          </a:bodyPr>
+          <a:lstStyle/>
+          <a:p>
+            <a:pPr marL="0" indent="0">
+              <a:buNone/>
+            </a:pPr>
+            <a:r>
+              <a:rPr lang="en-US" sz="2000" dirty="0"/>
+              <a:t>1. David </a:t>
+            </a:r>
+            <a:r>
+              <a:rPr lang="en-US" sz="2000" dirty="0" err="1"/>
+              <a:t>Purdum</a:t>
+            </a:r>
+            <a:r>
+              <a:rPr lang="en-US" sz="2000" dirty="0"/>
+              <a:t> (2017). ESPN – 70 million brackets, $10.4 billion in bets expected for March Madness. American Gaming Association. </a:t>
+            </a:r>
+            <a:r>
+              <a:rPr lang="en-US" sz="2000" dirty="0">
+                <a:hlinkClick r:id="rId2"/>
+              </a:rPr>
+              <a:t>https://</a:t>
+            </a:r>
+            <a:r>
+              <a:rPr lang="en-US" sz="2000" dirty="0" err="1">
+                <a:hlinkClick r:id="rId2"/>
+              </a:rPr>
+              <a:t>www.americangaming.org</a:t>
+            </a:r>
+            <a:r>
+              <a:rPr lang="en-US" sz="2000" dirty="0">
+                <a:hlinkClick r:id="rId2"/>
+              </a:rPr>
+              <a:t>/new/espn-70-million-brackets-10-4-billion-in-bets-expected-for-march-madness/</a:t>
+            </a:r>
+            <a:r>
+              <a:rPr lang="en-US" sz="2000" dirty="0"/>
+              <a:t> accessed: 18 March 2023.</a:t>
+            </a:r>
+          </a:p>
+          <a:p>
+            <a:pPr marL="0" indent="0">
+              <a:buNone/>
+            </a:pPr>
+            <a:r>
+              <a:rPr lang="en-US" sz="2000" dirty="0"/>
+              <a:t>2. American Gaming Association (2022). 2022 March Madness Wagering Estimates. American Gaming Association. </a:t>
+            </a:r>
+            <a:r>
+              <a:rPr lang="en-US" sz="2000" dirty="0">
+                <a:hlinkClick r:id="rId3"/>
+              </a:rPr>
+              <a:t>https://</a:t>
+            </a:r>
+            <a:r>
+              <a:rPr lang="en-US" sz="2000" dirty="0" err="1">
+                <a:hlinkClick r:id="rId3"/>
+              </a:rPr>
+              <a:t>www.americangaming.org</a:t>
+            </a:r>
+            <a:r>
+              <a:rPr lang="en-US" sz="2000" dirty="0">
+                <a:hlinkClick r:id="rId3"/>
+              </a:rPr>
+              <a:t>/resources/march-madness-2022/</a:t>
+            </a:r>
+            <a:r>
+              <a:rPr lang="en-US" sz="2000" dirty="0"/>
+              <a:t> accessed: 18 March 2023.</a:t>
+            </a:r>
+          </a:p>
+          <a:p>
+            <a:pPr marL="0" indent="0">
+              <a:buNone/>
+            </a:pPr>
+            <a:r>
+              <a:rPr lang="en-US" sz="2000" dirty="0"/>
+              <a:t>3. Daniel Wilco (2023). The absurd odds of a perfect NCAA bracket. </a:t>
+            </a:r>
+            <a:r>
+              <a:rPr lang="en-US" sz="2000" dirty="0">
+                <a:hlinkClick r:id="rId4"/>
+              </a:rPr>
+              <a:t>https://</a:t>
+            </a:r>
+            <a:r>
+              <a:rPr lang="en-US" sz="2000" dirty="0" err="1">
+                <a:hlinkClick r:id="rId4"/>
+              </a:rPr>
+              <a:t>www.ncaa.com</a:t>
+            </a:r>
+            <a:r>
+              <a:rPr lang="en-US" sz="2000" dirty="0">
+                <a:hlinkClick r:id="rId4"/>
+              </a:rPr>
+              <a:t>/news/basketball-men/</a:t>
+            </a:r>
+            <a:r>
+              <a:rPr lang="en-US" sz="2000" dirty="0" err="1">
+                <a:hlinkClick r:id="rId4"/>
+              </a:rPr>
+              <a:t>bracketiq</a:t>
+            </a:r>
+            <a:r>
+              <a:rPr lang="en-US" sz="2000" dirty="0">
+                <a:hlinkClick r:id="rId4"/>
+              </a:rPr>
+              <a:t>/2023-03-16/perfect-</a:t>
+            </a:r>
+            <a:r>
+              <a:rPr lang="en-US" sz="2000" dirty="0" err="1">
+                <a:hlinkClick r:id="rId4"/>
+              </a:rPr>
+              <a:t>ncaa</a:t>
+            </a:r>
+            <a:r>
+              <a:rPr lang="en-US" sz="2000" dirty="0">
+                <a:hlinkClick r:id="rId4"/>
+              </a:rPr>
+              <a:t>-bracket-absurd-odds-march-madness-dream</a:t>
+            </a:r>
+            <a:r>
+              <a:rPr lang="en-US" sz="2000" dirty="0"/>
+              <a:t> accessed: 18 March 2023.</a:t>
+            </a:r>
+          </a:p>
+          <a:p>
+            <a:pPr marL="0" indent="0">
+              <a:buNone/>
+            </a:pPr>
+            <a:r>
+              <a:rPr lang="en-US" sz="2000" dirty="0"/>
+              <a:t>4. Brian </a:t>
+            </a:r>
+            <a:r>
+              <a:rPr lang="en-US" sz="2000" dirty="0" err="1"/>
+              <a:t>Budzynski</a:t>
+            </a:r>
+            <a:r>
+              <a:rPr lang="en-US" sz="2000" dirty="0"/>
+              <a:t> (2022). Who picked the best March Madness bracket of all time? </a:t>
+            </a:r>
+            <a:r>
+              <a:rPr lang="en-US" sz="2000" dirty="0">
+                <a:hlinkClick r:id="rId5"/>
+              </a:rPr>
+              <a:t>https://www.wavy.com/sports/ncaa-bastketball/who-picked-the-best-march-madness-bracket-of-all-time/</a:t>
+            </a:r>
+            <a:r>
+              <a:rPr lang="en-US" sz="2000" dirty="0"/>
+              <a:t> accessed: 18 March 2023.</a:t>
+            </a:r>
+          </a:p>
+          <a:p>
+            <a:pPr marL="0" indent="0">
+              <a:buNone/>
+            </a:pPr>
+            <a:r>
+              <a:rPr lang="en-US" sz="2000" dirty="0"/>
+              <a:t>5. Jeff </a:t>
+            </a:r>
+            <a:r>
+              <a:rPr lang="en-US" sz="2000" dirty="0" err="1"/>
+              <a:t>Sonas</a:t>
+            </a:r>
+            <a:r>
+              <a:rPr lang="en-US" sz="2000" dirty="0"/>
+              <a:t>, Last-Place Larry, Maggie, and Will </a:t>
+            </a:r>
+            <a:r>
+              <a:rPr lang="en-US" sz="2000" dirty="0" err="1"/>
+              <a:t>Cukierski</a:t>
+            </a:r>
+            <a:r>
+              <a:rPr lang="en-US" sz="2000" dirty="0"/>
+              <a:t> (2023). March Machine Learning Mania 2023. Kaggle. </a:t>
+            </a:r>
+            <a:r>
+              <a:rPr lang="en-US" sz="2000" dirty="0">
+                <a:hlinkClick r:id="rId6"/>
+              </a:rPr>
+              <a:t>https://kaggle.com/competitions/march-machine-learning-mania-2023</a:t>
+            </a:r>
+            <a:r>
+              <a:rPr lang="en-US" sz="2000" dirty="0"/>
+              <a:t> accessed: 18 March 2023.</a:t>
+            </a:r>
+          </a:p>
+        </p:txBody>
+      </p:sp>
+      <p:sp>
+        <p:nvSpPr>
+          <p:cNvPr id="5" name="Slide Number Placeholder 5">
+            <a:extLst>
+              <a:ext uri="{FF2B5EF4-FFF2-40B4-BE49-F238E27FC236}">
+                <a16:creationId xmlns:a16="http://schemas.microsoft.com/office/drawing/2014/main" id="{8E0510B8-2E78-20E7-4DBB-06CABF68D68D}"/>
+              </a:ext>
+            </a:extLst>
+          </p:cNvPr>
+          <p:cNvSpPr>
+            <a:spLocks noGrp="1"/>
+          </p:cNvSpPr>
+          <p:nvPr>
+            <p:ph type="sldNum" sz="quarter" idx="12"/>
+          </p:nvPr>
+        </p:nvSpPr>
+        <p:spPr>
+          <a:xfrm>
+            <a:off x="8610600" y="6356350"/>
+            <a:ext cx="3028122" cy="365125"/>
+          </a:xfrm>
+          <a:prstGeom prst="rect">
+            <a:avLst/>
+          </a:prstGeom>
+        </p:spPr>
+        <p:txBody>
+          <a:bodyPr anchor="ctr"/>
+          <a:lstStyle>
+            <a:lvl1pPr algn="r">
+              <a:defRPr sz="1000">
+                <a:solidFill>
+                  <a:schemeClr val="tx2"/>
+                </a:solidFill>
+                <a:latin typeface="SF Compact Rounded" pitchFamily="2" charset="77"/>
+              </a:defRPr>
+            </a:lvl1pPr>
+          </a:lstStyle>
+          <a:p>
+            <a:fld id="{1E7E87EC-D468-6B42-A141-7B085F32EA20}" type="slidenum">
+              <a:rPr lang="en-US" smtClean="0"/>
+              <a:pPr/>
+              <a:t>38</a:t>
+            </a:fld>
+            <a:endParaRPr lang="en-US" dirty="0"/>
+          </a:p>
+        </p:txBody>
+      </p:sp>
+    </p:spTree>
+    <p:extLst>
+      <p:ext uri="{BB962C8B-B14F-4D97-AF65-F5344CB8AC3E}">
+        <p14:creationId xmlns:p14="http://schemas.microsoft.com/office/powerpoint/2010/main" val="2215463546"/>
+      </p:ext>
+    </p:extLst>
+  </p:cSld>
+  <p:clrMapOvr>
+    <a:masterClrMapping/>
+  </p:clrMapOvr>
+</p:sld>
+</file>
+
+<file path=ppt/slides/slide39.xml><?xml version="1.0" encoding="utf-8"?>
+<p:sld xmlns:a="http://schemas.openxmlformats.org/drawingml/2006/main" xmlns:r="http://schemas.openxmlformats.org/officeDocument/2006/relationships" xmlns:p="http://schemas.openxmlformats.org/presentationml/2006/main">
+  <p:cSld>
+    <p:spTree>
+      <p:nvGrpSpPr>
+        <p:cNvPr id="1" name=""/>
+        <p:cNvGrpSpPr/>
+        <p:nvPr/>
+      </p:nvGrpSpPr>
+      <p:grpSpPr>
+        <a:xfrm>
+          <a:off x="0" y="0"/>
+          <a:ext cx="0" cy="0"/>
+          <a:chOff x="0" y="0"/>
+          <a:chExt cx="0" cy="0"/>
+        </a:xfrm>
+      </p:grpSpPr>
+      <p:sp>
+        <p:nvSpPr>
+          <p:cNvPr id="2" name="Text Placeholder 1">
+            <a:extLst>
+              <a:ext uri="{FF2B5EF4-FFF2-40B4-BE49-F238E27FC236}">
+                <a16:creationId xmlns:a16="http://schemas.microsoft.com/office/drawing/2014/main" id="{DEDB9BE8-C609-A873-CBBC-0CA104AA9588}"/>
+              </a:ext>
+            </a:extLst>
+          </p:cNvPr>
+          <p:cNvSpPr>
+            <a:spLocks noGrp="1"/>
+          </p:cNvSpPr>
+          <p:nvPr>
+            <p:ph type="body" sz="quarter" idx="13"/>
+          </p:nvPr>
+        </p:nvSpPr>
+        <p:spPr/>
+        <p:txBody>
+          <a:bodyPr/>
+          <a:lstStyle/>
+          <a:p>
+            <a:endParaRPr lang="en-US"/>
+          </a:p>
+        </p:txBody>
+      </p:sp>
+      <p:sp>
+        <p:nvSpPr>
+          <p:cNvPr id="3" name="Title 2">
+            <a:extLst>
+              <a:ext uri="{FF2B5EF4-FFF2-40B4-BE49-F238E27FC236}">
+                <a16:creationId xmlns:a16="http://schemas.microsoft.com/office/drawing/2014/main" id="{18AA4D6E-70D3-8C8F-AF9E-00FC624637F9}"/>
+              </a:ext>
+            </a:extLst>
+          </p:cNvPr>
+          <p:cNvSpPr>
+            <a:spLocks noGrp="1"/>
+          </p:cNvSpPr>
+          <p:nvPr>
+            <p:ph type="title"/>
+          </p:nvPr>
+        </p:nvSpPr>
+        <p:spPr>
+          <a:xfrm>
+            <a:off x="841248" y="365760"/>
+            <a:ext cx="11161644" cy="767936"/>
+          </a:xfrm>
+        </p:spPr>
+        <p:txBody>
+          <a:bodyPr>
+            <a:normAutofit/>
+          </a:bodyPr>
+          <a:lstStyle/>
+          <a:p>
+            <a:r>
+              <a:rPr lang="en-US" dirty="0"/>
+              <a:t>References</a:t>
+            </a:r>
+            <a:endParaRPr lang="en-US" b="0" dirty="0"/>
+          </a:p>
+        </p:txBody>
+      </p:sp>
+      <p:sp>
+        <p:nvSpPr>
+          <p:cNvPr id="4" name="Content Placeholder 3">
+            <a:extLst>
+              <a:ext uri="{FF2B5EF4-FFF2-40B4-BE49-F238E27FC236}">
+                <a16:creationId xmlns:a16="http://schemas.microsoft.com/office/drawing/2014/main" id="{4391D70F-9C2B-F376-3A6F-BE5CA85CF1FC}"/>
+              </a:ext>
+            </a:extLst>
+          </p:cNvPr>
+          <p:cNvSpPr>
+            <a:spLocks noGrp="1"/>
+          </p:cNvSpPr>
+          <p:nvPr>
+            <p:ph idx="1"/>
+          </p:nvPr>
+        </p:nvSpPr>
+        <p:spPr>
+          <a:xfrm>
+            <a:off x="841248" y="1207008"/>
+            <a:ext cx="10910485" cy="4969565"/>
+          </a:xfrm>
+        </p:spPr>
+        <p:txBody>
+          <a:bodyPr>
+            <a:normAutofit/>
+          </a:bodyPr>
+          <a:lstStyle/>
+          <a:p>
+            <a:pPr marL="50800" lvl="0" indent="0" algn="l" rtl="0">
+              <a:lnSpc>
+                <a:spcPct val="100000"/>
+              </a:lnSpc>
+              <a:spcBef>
+                <a:spcPts val="800"/>
+              </a:spcBef>
+              <a:spcAft>
+                <a:spcPts val="0"/>
+              </a:spcAft>
+              <a:buSzPts val="1400"/>
+              <a:buNone/>
+            </a:pPr>
+            <a:r>
+              <a:rPr lang="en-US" sz="2000" dirty="0">
+                <a:latin typeface="Nunito"/>
+                <a:ea typeface="Nunito"/>
+                <a:cs typeface="Nunito"/>
+                <a:sym typeface="Nunito"/>
+              </a:rPr>
+              <a:t>6. Chris Wright (2012). Statistical Predictors of March Madness: An Examination of the NCAA Men’s’ Basketball Championship. Thesis for Pomona College Economics Department. </a:t>
+            </a:r>
+          </a:p>
+          <a:p>
+            <a:pPr marL="50800" lvl="0" indent="0" algn="l" rtl="0">
+              <a:lnSpc>
+                <a:spcPct val="100000"/>
+              </a:lnSpc>
+              <a:spcBef>
+                <a:spcPts val="800"/>
+              </a:spcBef>
+              <a:spcAft>
+                <a:spcPts val="0"/>
+              </a:spcAft>
+              <a:buSzPts val="1400"/>
+              <a:buNone/>
+            </a:pPr>
+            <a:r>
+              <a:rPr lang="en-US" sz="2000" dirty="0">
+                <a:latin typeface="Nunito"/>
+                <a:ea typeface="Nunito"/>
+                <a:cs typeface="Nunito"/>
+                <a:sym typeface="Nunito"/>
+              </a:rPr>
+              <a:t>7. Alex Tran and Adam </a:t>
+            </a:r>
+            <a:r>
+              <a:rPr lang="en-US" sz="2000" dirty="0" err="1">
+                <a:latin typeface="Nunito"/>
+                <a:ea typeface="Nunito"/>
+                <a:cs typeface="Nunito"/>
+                <a:sym typeface="Nunito"/>
+              </a:rPr>
+              <a:t>Ginzberg</a:t>
+            </a:r>
+            <a:r>
+              <a:rPr lang="en-US" sz="2000" dirty="0">
+                <a:latin typeface="Nunito"/>
+                <a:ea typeface="Nunito"/>
+                <a:cs typeface="Nunito"/>
+                <a:sym typeface="Nunito"/>
+              </a:rPr>
+              <a:t> (2014). Making Sense of the Mayhem: Machine Learning and March Madness. Stanford CS229 Final Project paper December 2014.</a:t>
+            </a:r>
+          </a:p>
+          <a:p>
+            <a:pPr marL="50800" lvl="0" indent="0" algn="l" rtl="0">
+              <a:lnSpc>
+                <a:spcPct val="100000"/>
+              </a:lnSpc>
+              <a:spcBef>
+                <a:spcPts val="800"/>
+              </a:spcBef>
+              <a:spcAft>
+                <a:spcPts val="0"/>
+              </a:spcAft>
+              <a:buSzPts val="1400"/>
+              <a:buNone/>
+            </a:pPr>
+            <a:r>
+              <a:rPr lang="en-US" sz="2000" dirty="0">
+                <a:latin typeface="Nunito"/>
+                <a:ea typeface="Nunito"/>
+                <a:cs typeface="Nunito"/>
+                <a:sym typeface="Nunito"/>
+              </a:rPr>
+              <a:t>8. Levi Franklin (2014). Predicting March Madness: Winning the Office Pool. Stanford CS229 Final Project paper December 2014.</a:t>
+            </a:r>
+          </a:p>
+          <a:p>
+            <a:pPr marL="50800" lvl="0" indent="0" algn="l" rtl="0">
+              <a:lnSpc>
+                <a:spcPct val="100000"/>
+              </a:lnSpc>
+              <a:spcBef>
+                <a:spcPts val="800"/>
+              </a:spcBef>
+              <a:spcAft>
+                <a:spcPts val="0"/>
+              </a:spcAft>
+              <a:buSzPts val="1400"/>
+              <a:buNone/>
+            </a:pPr>
+            <a:r>
+              <a:rPr lang="en-US" sz="2000" dirty="0">
+                <a:latin typeface="Nunito"/>
+                <a:ea typeface="Nunito"/>
+                <a:cs typeface="Nunito"/>
+                <a:sym typeface="Nunito"/>
+              </a:rPr>
+              <a:t>9. Cody Kocher and Tim </a:t>
+            </a:r>
+            <a:r>
+              <a:rPr lang="en-US" sz="2000" dirty="0" err="1">
+                <a:latin typeface="Nunito"/>
+                <a:ea typeface="Nunito"/>
+                <a:cs typeface="Nunito"/>
+                <a:sym typeface="Nunito"/>
+              </a:rPr>
+              <a:t>Hoblin</a:t>
+            </a:r>
+            <a:r>
+              <a:rPr lang="en-US" sz="2000" dirty="0">
+                <a:latin typeface="Nunito"/>
+                <a:ea typeface="Nunito"/>
+                <a:cs typeface="Nunito"/>
+                <a:sym typeface="Nunito"/>
+              </a:rPr>
+              <a:t> (2018). Predictive Model for the NCAA Men’s Basketball Tournament. Ball State Undergraduate Mathematics Exchange vol 12(1) 15-23.</a:t>
+            </a:r>
+          </a:p>
+          <a:p>
+            <a:pPr marL="50800" lvl="0" indent="0" algn="l" rtl="0">
+              <a:lnSpc>
+                <a:spcPct val="100000"/>
+              </a:lnSpc>
+              <a:spcBef>
+                <a:spcPts val="800"/>
+              </a:spcBef>
+              <a:spcAft>
+                <a:spcPts val="0"/>
+              </a:spcAft>
+              <a:buSzPts val="1400"/>
+              <a:buNone/>
+            </a:pPr>
+            <a:r>
+              <a:rPr lang="en-US" sz="1800" b="0" i="0" u="none" strike="noStrike" dirty="0">
+                <a:solidFill>
+                  <a:srgbClr val="44546A"/>
+                </a:solidFill>
+                <a:effectLst/>
+                <a:latin typeface="Nunito" pitchFamily="2" charset="77"/>
+              </a:rPr>
+              <a:t>10. Zhang, </a:t>
+            </a:r>
+            <a:r>
+              <a:rPr lang="en-US" sz="1800" b="0" i="0" u="none" strike="noStrike" dirty="0" err="1">
+                <a:solidFill>
+                  <a:srgbClr val="44546A"/>
+                </a:solidFill>
+                <a:effectLst/>
+                <a:latin typeface="Nunito" pitchFamily="2" charset="77"/>
+              </a:rPr>
+              <a:t>Yudong</a:t>
+            </a:r>
+            <a:r>
+              <a:rPr lang="en-US" sz="1800" b="0" i="0" u="none" strike="noStrike" dirty="0">
+                <a:solidFill>
+                  <a:srgbClr val="44546A"/>
+                </a:solidFill>
+                <a:effectLst/>
+                <a:latin typeface="Nunito" pitchFamily="2" charset="77"/>
+              </a:rPr>
+              <a:t> &amp; Wang, </a:t>
+            </a:r>
+            <a:r>
+              <a:rPr lang="en-US" sz="1800" b="0" i="0" u="none" strike="noStrike" dirty="0" err="1">
+                <a:solidFill>
+                  <a:srgbClr val="44546A"/>
+                </a:solidFill>
+                <a:effectLst/>
+                <a:latin typeface="Nunito" pitchFamily="2" charset="77"/>
+              </a:rPr>
+              <a:t>Shuihua</a:t>
+            </a:r>
+            <a:r>
+              <a:rPr lang="en-US" sz="1800" b="0" i="0" u="none" strike="noStrike" dirty="0">
+                <a:solidFill>
+                  <a:srgbClr val="44546A"/>
+                </a:solidFill>
+                <a:effectLst/>
+                <a:latin typeface="Nunito" pitchFamily="2" charset="77"/>
+              </a:rPr>
+              <a:t> &amp; ji, </a:t>
+            </a:r>
+            <a:r>
+              <a:rPr lang="en-US" sz="1800" b="0" i="0" u="none" strike="noStrike" dirty="0" err="1">
+                <a:solidFill>
+                  <a:srgbClr val="44546A"/>
+                </a:solidFill>
+                <a:effectLst/>
+                <a:latin typeface="Nunito" pitchFamily="2" charset="77"/>
+              </a:rPr>
+              <a:t>Genlin</a:t>
+            </a:r>
+            <a:r>
+              <a:rPr lang="en-US" sz="1800" b="0" i="0" u="none" strike="noStrike" dirty="0">
+                <a:solidFill>
+                  <a:srgbClr val="44546A"/>
+                </a:solidFill>
+                <a:effectLst/>
+                <a:latin typeface="Nunito" pitchFamily="2" charset="77"/>
+              </a:rPr>
+              <a:t>. (2013). A Rule-Based Model for Bankruptcy Prediction Based on an Improved Genetic Ant Colony Algorithm. Mathematical Problems in Engineering. 2013. </a:t>
+            </a:r>
+            <a:r>
+              <a:rPr lang="en-US" sz="1800" b="0" i="0" u="none" strike="noStrike" dirty="0">
+                <a:solidFill>
+                  <a:srgbClr val="44546A"/>
+                </a:solidFill>
+                <a:effectLst/>
+                <a:latin typeface="Nunito" pitchFamily="2" charset="77"/>
+                <a:hlinkClick r:id="rId2"/>
+              </a:rPr>
+              <a:t>https://</a:t>
+            </a:r>
+            <a:r>
+              <a:rPr lang="en-US" sz="1800" b="0" i="0" u="none" strike="noStrike" dirty="0" err="1">
+                <a:solidFill>
+                  <a:srgbClr val="44546A"/>
+                </a:solidFill>
+                <a:effectLst/>
+                <a:latin typeface="Nunito" pitchFamily="2" charset="77"/>
+                <a:hlinkClick r:id="rId2"/>
+              </a:rPr>
+              <a:t>www.hindawi.com</a:t>
+            </a:r>
+            <a:r>
+              <a:rPr lang="en-US" sz="1800" b="0" i="0" u="none" strike="noStrike" dirty="0">
+                <a:solidFill>
+                  <a:srgbClr val="44546A"/>
+                </a:solidFill>
+                <a:effectLst/>
+                <a:latin typeface="Nunito" pitchFamily="2" charset="77"/>
+                <a:hlinkClick r:id="rId2"/>
+              </a:rPr>
+              <a:t>/journals/</a:t>
+            </a:r>
+            <a:r>
+              <a:rPr lang="en-US" sz="1800" b="0" i="0" u="none" strike="noStrike" dirty="0" err="1">
+                <a:solidFill>
+                  <a:srgbClr val="44546A"/>
+                </a:solidFill>
+                <a:effectLst/>
+                <a:latin typeface="Nunito" pitchFamily="2" charset="77"/>
+                <a:hlinkClick r:id="rId2"/>
+              </a:rPr>
+              <a:t>mpe</a:t>
+            </a:r>
+            <a:r>
+              <a:rPr lang="en-US" sz="1800" b="0" i="0" u="none" strike="noStrike" dirty="0">
+                <a:solidFill>
+                  <a:srgbClr val="44546A"/>
+                </a:solidFill>
+                <a:effectLst/>
+                <a:latin typeface="Nunito" pitchFamily="2" charset="77"/>
+                <a:hlinkClick r:id="rId2"/>
+              </a:rPr>
+              <a:t>/2013/753251/</a:t>
+            </a:r>
+            <a:endParaRPr lang="en-US" sz="2000" dirty="0"/>
+          </a:p>
+        </p:txBody>
+      </p:sp>
+      <p:sp>
+        <p:nvSpPr>
+          <p:cNvPr id="5" name="Slide Number Placeholder 5">
+            <a:extLst>
+              <a:ext uri="{FF2B5EF4-FFF2-40B4-BE49-F238E27FC236}">
+                <a16:creationId xmlns:a16="http://schemas.microsoft.com/office/drawing/2014/main" id="{8E0510B8-2E78-20E7-4DBB-06CABF68D68D}"/>
+              </a:ext>
+            </a:extLst>
+          </p:cNvPr>
+          <p:cNvSpPr>
+            <a:spLocks noGrp="1"/>
+          </p:cNvSpPr>
+          <p:nvPr>
+            <p:ph type="sldNum" sz="quarter" idx="12"/>
+          </p:nvPr>
+        </p:nvSpPr>
+        <p:spPr>
+          <a:xfrm>
+            <a:off x="8610600" y="6356350"/>
+            <a:ext cx="3028122" cy="365125"/>
+          </a:xfrm>
+          <a:prstGeom prst="rect">
+            <a:avLst/>
+          </a:prstGeom>
+        </p:spPr>
+        <p:txBody>
+          <a:bodyPr anchor="ctr"/>
+          <a:lstStyle>
+            <a:lvl1pPr algn="r">
+              <a:defRPr sz="1000">
+                <a:solidFill>
+                  <a:schemeClr val="tx2"/>
+                </a:solidFill>
+                <a:latin typeface="SF Compact Rounded" pitchFamily="2" charset="77"/>
+              </a:defRPr>
+            </a:lvl1pPr>
+          </a:lstStyle>
+          <a:p>
+            <a:fld id="{1E7E87EC-D468-6B42-A141-7B085F32EA20}" type="slidenum">
+              <a:rPr lang="en-US" smtClean="0"/>
+              <a:pPr/>
+              <a:t>39</a:t>
+            </a:fld>
+            <a:endParaRPr lang="en-US" dirty="0"/>
+          </a:p>
+        </p:txBody>
+      </p:sp>
+    </p:spTree>
+    <p:extLst>
+      <p:ext uri="{BB962C8B-B14F-4D97-AF65-F5344CB8AC3E}">
+        <p14:creationId xmlns:p14="http://schemas.microsoft.com/office/powerpoint/2010/main" val="2331333636"/>
       </p:ext>
     </p:extLst>
   </p:cSld>
@@ -18473,6 +19206,86 @@
       <p:bldP spid="4" grpId="0" uiExpand="1" build="p"/>
     </p:bldLst>
   </p:timing>
+</p:sld>
+</file>
+
+<file path=ppt/slides/slide40.xml><?xml version="1.0" encoding="utf-8"?>
+<p:sld xmlns:a="http://schemas.openxmlformats.org/drawingml/2006/main" xmlns:r="http://schemas.openxmlformats.org/officeDocument/2006/relationships" xmlns:p="http://schemas.openxmlformats.org/presentationml/2006/main">
+  <p:cSld>
+    <p:spTree>
+      <p:nvGrpSpPr>
+        <p:cNvPr id="1" name=""/>
+        <p:cNvGrpSpPr/>
+        <p:nvPr/>
+      </p:nvGrpSpPr>
+      <p:grpSpPr>
+        <a:xfrm>
+          <a:off x="0" y="0"/>
+          <a:ext cx="0" cy="0"/>
+          <a:chOff x="0" y="0"/>
+          <a:chExt cx="0" cy="0"/>
+        </a:xfrm>
+      </p:grpSpPr>
+      <p:sp>
+        <p:nvSpPr>
+          <p:cNvPr id="2" name="Title 1">
+            <a:extLst>
+              <a:ext uri="{FF2B5EF4-FFF2-40B4-BE49-F238E27FC236}">
+                <a16:creationId xmlns:a16="http://schemas.microsoft.com/office/drawing/2014/main" id="{91556312-D863-0258-95A6-3C3D9EFE4F0C}"/>
+              </a:ext>
+            </a:extLst>
+          </p:cNvPr>
+          <p:cNvSpPr>
+            <a:spLocks noGrp="1"/>
+          </p:cNvSpPr>
+          <p:nvPr>
+            <p:ph type="ctrTitle"/>
+          </p:nvPr>
+        </p:nvSpPr>
+        <p:spPr>
+          <a:xfrm>
+            <a:off x="578426" y="2356506"/>
+            <a:ext cx="11035147" cy="2144988"/>
+          </a:xfrm>
+        </p:spPr>
+        <p:txBody>
+          <a:bodyPr anchor="ctr">
+            <a:normAutofit/>
+          </a:bodyPr>
+          <a:lstStyle/>
+          <a:p>
+            <a:r>
+              <a:rPr lang="en-US" sz="4400" b="1" dirty="0">
+                <a:solidFill>
+                  <a:schemeClr val="tx2"/>
+                </a:solidFill>
+                <a:latin typeface="SF Compact Rounded Heavy" pitchFamily="2" charset="77"/>
+                <a:ea typeface="SF Pro Display" pitchFamily="2" charset="0"/>
+                <a:cs typeface="Nirmala Text" panose="020B0604020202020204" pitchFamily="34" charset="0"/>
+              </a:rPr>
+              <a:t>Questions?</a:t>
+            </a:r>
+            <a:endParaRPr lang="en-US" sz="2400" b="1" dirty="0">
+              <a:solidFill>
+                <a:schemeClr val="tx2"/>
+              </a:solidFill>
+              <a:latin typeface="SF Compact Rounded Heavy" pitchFamily="2" charset="77"/>
+              <a:ea typeface="SF Pro Display" pitchFamily="2" charset="0"/>
+              <a:cs typeface="Nirmala Text" panose="020B0604020202020204" pitchFamily="34" charset="0"/>
+            </a:endParaRPr>
+          </a:p>
+        </p:txBody>
+      </p:sp>
+    </p:spTree>
+    <p:extLst>
+      <p:ext uri="{BB962C8B-B14F-4D97-AF65-F5344CB8AC3E}">
+        <p14:creationId xmlns:p14="http://schemas.microsoft.com/office/powerpoint/2010/main" val="2314418978"/>
+      </p:ext>
+    </p:extLst>
+  </p:cSld>
+  <p:clrMapOvr>
+    <a:masterClrMapping/>
+  </p:clrMapOvr>
 </p:sld>
 </file>
 
